--- a/projects/brems/Overview.pptx
+++ b/projects/brems/Overview.pptx
@@ -7,6 +7,9 @@
   <p:sldIdLst>
     <p:sldId id="256" r:id="rId2"/>
     <p:sldId id="257" r:id="rId3"/>
+    <p:sldId id="258" r:id="rId4"/>
+    <p:sldId id="260" r:id="rId5"/>
+    <p:sldId id="259" r:id="rId6"/>
   </p:sldIdLst>
   <p:sldSz cx="12192000" cy="6858000"/>
   <p:notesSz cx="6858000" cy="9144000"/>
@@ -105,6 +108,11 @@
       </a:defRPr>
     </a:lvl9pPr>
   </p:defaultTextStyle>
+  <p:extLst>
+    <p:ext uri="{EFAFB233-063F-42B5-8137-9DF3F51BA10A}">
+      <p15:sldGuideLst xmlns:p15="http://schemas.microsoft.com/office/powerpoint/2012/main"/>
+    </p:ext>
+  </p:extLst>
 </p:presentation>
 </file>
 
@@ -255,7 +263,7 @@
           <a:p>
             <a:fld id="{E55682CF-FAD7-4BD3-8747-1696A45B0684}" type="datetimeFigureOut">
               <a:rPr lang="en-US" smtClean="0"/>
-              <a:t>1/11/2026</a:t>
+              <a:t>1/18/2026</a:t>
             </a:fld>
             <a:endParaRPr lang="en-US"/>
           </a:p>
@@ -453,7 +461,7 @@
           <a:p>
             <a:fld id="{E55682CF-FAD7-4BD3-8747-1696A45B0684}" type="datetimeFigureOut">
               <a:rPr lang="en-US" smtClean="0"/>
-              <a:t>1/11/2026</a:t>
+              <a:t>1/18/2026</a:t>
             </a:fld>
             <a:endParaRPr lang="en-US"/>
           </a:p>
@@ -661,7 +669,7 @@
           <a:p>
             <a:fld id="{E55682CF-FAD7-4BD3-8747-1696A45B0684}" type="datetimeFigureOut">
               <a:rPr lang="en-US" smtClean="0"/>
-              <a:t>1/11/2026</a:t>
+              <a:t>1/18/2026</a:t>
             </a:fld>
             <a:endParaRPr lang="en-US"/>
           </a:p>
@@ -859,7 +867,7 @@
           <a:p>
             <a:fld id="{E55682CF-FAD7-4BD3-8747-1696A45B0684}" type="datetimeFigureOut">
               <a:rPr lang="en-US" smtClean="0"/>
-              <a:t>1/11/2026</a:t>
+              <a:t>1/18/2026</a:t>
             </a:fld>
             <a:endParaRPr lang="en-US"/>
           </a:p>
@@ -1134,7 +1142,7 @@
           <a:p>
             <a:fld id="{E55682CF-FAD7-4BD3-8747-1696A45B0684}" type="datetimeFigureOut">
               <a:rPr lang="en-US" smtClean="0"/>
-              <a:t>1/11/2026</a:t>
+              <a:t>1/18/2026</a:t>
             </a:fld>
             <a:endParaRPr lang="en-US"/>
           </a:p>
@@ -1399,7 +1407,7 @@
           <a:p>
             <a:fld id="{E55682CF-FAD7-4BD3-8747-1696A45B0684}" type="datetimeFigureOut">
               <a:rPr lang="en-US" smtClean="0"/>
-              <a:t>1/11/2026</a:t>
+              <a:t>1/18/2026</a:t>
             </a:fld>
             <a:endParaRPr lang="en-US"/>
           </a:p>
@@ -1811,7 +1819,7 @@
           <a:p>
             <a:fld id="{E55682CF-FAD7-4BD3-8747-1696A45B0684}" type="datetimeFigureOut">
               <a:rPr lang="en-US" smtClean="0"/>
-              <a:t>1/11/2026</a:t>
+              <a:t>1/18/2026</a:t>
             </a:fld>
             <a:endParaRPr lang="en-US"/>
           </a:p>
@@ -1952,7 +1960,7 @@
           <a:p>
             <a:fld id="{E55682CF-FAD7-4BD3-8747-1696A45B0684}" type="datetimeFigureOut">
               <a:rPr lang="en-US" smtClean="0"/>
-              <a:t>1/11/2026</a:t>
+              <a:t>1/18/2026</a:t>
             </a:fld>
             <a:endParaRPr lang="en-US"/>
           </a:p>
@@ -2065,7 +2073,7 @@
           <a:p>
             <a:fld id="{E55682CF-FAD7-4BD3-8747-1696A45B0684}" type="datetimeFigureOut">
               <a:rPr lang="en-US" smtClean="0"/>
-              <a:t>1/11/2026</a:t>
+              <a:t>1/18/2026</a:t>
             </a:fld>
             <a:endParaRPr lang="en-US"/>
           </a:p>
@@ -2376,7 +2384,7 @@
           <a:p>
             <a:fld id="{E55682CF-FAD7-4BD3-8747-1696A45B0684}" type="datetimeFigureOut">
               <a:rPr lang="en-US" smtClean="0"/>
-              <a:t>1/11/2026</a:t>
+              <a:t>1/18/2026</a:t>
             </a:fld>
             <a:endParaRPr lang="en-US"/>
           </a:p>
@@ -2664,7 +2672,7 @@
           <a:p>
             <a:fld id="{E55682CF-FAD7-4BD3-8747-1696A45B0684}" type="datetimeFigureOut">
               <a:rPr lang="en-US" smtClean="0"/>
-              <a:t>1/11/2026</a:t>
+              <a:t>1/18/2026</a:t>
             </a:fld>
             <a:endParaRPr lang="en-US"/>
           </a:p>
@@ -2905,7 +2913,7 @@
           <a:p>
             <a:fld id="{E55682CF-FAD7-4BD3-8747-1696A45B0684}" type="datetimeFigureOut">
               <a:rPr lang="en-US" smtClean="0"/>
-              <a:t>1/11/2026</a:t>
+              <a:t>1/18/2026</a:t>
             </a:fld>
             <a:endParaRPr lang="en-US"/>
           </a:p>
@@ -3667,8 +3675,8 @@
         </p:nvSpPr>
         <p:spPr>
           <a:xfrm>
-            <a:off x="838200" y="365125"/>
-            <a:ext cx="7132093" cy="562923"/>
+            <a:off x="838201" y="365125"/>
+            <a:ext cx="4675496" cy="562923"/>
           </a:xfrm>
         </p:spPr>
         <p:txBody>
@@ -3678,7 +3686,7 @@
           <a:lstStyle/>
           <a:p>
             <a:r>
-              <a:rPr lang="en-US" sz="3200" dirty="0">
+              <a:rPr lang="en-US" sz="2400" dirty="0">
                 <a:latin typeface="Inter 18pt" panose="02000503000000020004" pitchFamily="2" charset="0"/>
                 <a:ea typeface="Inter 18pt" panose="02000503000000020004" pitchFamily="2" charset="0"/>
               </a:rPr>
@@ -3687,10 +3695,1839 @@
           </a:p>
         </p:txBody>
       </p:sp>
+      <p:sp>
+        <p:nvSpPr>
+          <p:cNvPr id="4" name="TextBox 3">
+            <a:extLst>
+              <a:ext uri="{FF2B5EF4-FFF2-40B4-BE49-F238E27FC236}">
+                <a16:creationId xmlns:a16="http://schemas.microsoft.com/office/drawing/2014/main" id="{26016E83-5E27-4687-BAAD-31A2F7354F1F}"/>
+              </a:ext>
+            </a:extLst>
+          </p:cNvPr>
+          <p:cNvSpPr txBox="1"/>
+          <p:nvPr/>
+        </p:nvSpPr>
+        <p:spPr>
+          <a:xfrm>
+            <a:off x="968991" y="1064525"/>
+            <a:ext cx="3202352" cy="369332"/>
+          </a:xfrm>
+          <a:prstGeom prst="rect">
+            <a:avLst/>
+          </a:prstGeom>
+          <a:noFill/>
+        </p:spPr>
+        <p:txBody>
+          <a:bodyPr wrap="none" rtlCol="0">
+            <a:spAutoFit/>
+          </a:bodyPr>
+          <a:lstStyle/>
+          <a:p>
+            <a:r>
+              <a:rPr lang="en-US" dirty="0"/>
+              <a:t>This application uses traditional </a:t>
+            </a:r>
+          </a:p>
+        </p:txBody>
+      </p:sp>
     </p:spTree>
     <p:extLst>
       <p:ext uri="{BB962C8B-B14F-4D97-AF65-F5344CB8AC3E}">
         <p14:creationId xmlns:p14="http://schemas.microsoft.com/office/powerpoint/2010/main" val="2400317157"/>
+      </p:ext>
+    </p:extLst>
+  </p:cSld>
+  <p:clrMapOvr>
+    <a:masterClrMapping/>
+  </p:clrMapOvr>
+</p:sld>
+</file>
+
+<file path=ppt/slides/slide3.xml><?xml version="1.0" encoding="utf-8"?>
+<p:sld xmlns:a="http://schemas.openxmlformats.org/drawingml/2006/main" xmlns:r="http://schemas.openxmlformats.org/officeDocument/2006/relationships" xmlns:p="http://schemas.openxmlformats.org/presentationml/2006/main">
+  <p:cSld>
+    <p:spTree>
+      <p:nvGrpSpPr>
+        <p:cNvPr id="1" name=""/>
+        <p:cNvGrpSpPr/>
+        <p:nvPr/>
+      </p:nvGrpSpPr>
+      <p:grpSpPr>
+        <a:xfrm>
+          <a:off x="0" y="0"/>
+          <a:ext cx="0" cy="0"/>
+          <a:chOff x="0" y="0"/>
+          <a:chExt cx="0" cy="0"/>
+        </a:xfrm>
+      </p:grpSpPr>
+      <p:sp>
+        <p:nvSpPr>
+          <p:cNvPr id="2" name="Title 1">
+            <a:extLst>
+              <a:ext uri="{FF2B5EF4-FFF2-40B4-BE49-F238E27FC236}">
+                <a16:creationId xmlns:a16="http://schemas.microsoft.com/office/drawing/2014/main" id="{8E6C9ADD-977C-4ADD-9B84-E4273B15860B}"/>
+              </a:ext>
+            </a:extLst>
+          </p:cNvPr>
+          <p:cNvSpPr>
+            <a:spLocks noGrp="1"/>
+          </p:cNvSpPr>
+          <p:nvPr>
+            <p:ph type="title"/>
+          </p:nvPr>
+        </p:nvSpPr>
+        <p:spPr>
+          <a:xfrm>
+            <a:off x="838201" y="365125"/>
+            <a:ext cx="4675496" cy="562923"/>
+          </a:xfrm>
+        </p:spPr>
+        <p:txBody>
+          <a:bodyPr>
+            <a:normAutofit/>
+          </a:bodyPr>
+          <a:lstStyle/>
+          <a:p>
+            <a:r>
+              <a:rPr lang="en-US" sz="2000" dirty="0">
+                <a:latin typeface="Arial Narrow" panose="020B0606020202030204" pitchFamily="34" charset="0"/>
+                <a:ea typeface="Inter 18pt" panose="02000503000000020004" pitchFamily="2" charset="0"/>
+              </a:rPr>
+              <a:t>Data Flow: Table Name: admins</a:t>
+            </a:r>
+          </a:p>
+        </p:txBody>
+      </p:sp>
+      <p:sp>
+        <p:nvSpPr>
+          <p:cNvPr id="5" name="TextBox 4">
+            <a:extLst>
+              <a:ext uri="{FF2B5EF4-FFF2-40B4-BE49-F238E27FC236}">
+                <a16:creationId xmlns:a16="http://schemas.microsoft.com/office/drawing/2014/main" id="{87852E62-169B-40FE-99EE-FA34609481B3}"/>
+              </a:ext>
+            </a:extLst>
+          </p:cNvPr>
+          <p:cNvSpPr txBox="1"/>
+          <p:nvPr/>
+        </p:nvSpPr>
+        <p:spPr>
+          <a:xfrm>
+            <a:off x="736979" y="1105468"/>
+            <a:ext cx="4833374" cy="646331"/>
+          </a:xfrm>
+          <a:prstGeom prst="rect">
+            <a:avLst/>
+          </a:prstGeom>
+          <a:noFill/>
+        </p:spPr>
+        <p:txBody>
+          <a:bodyPr wrap="none" rtlCol="0">
+            <a:spAutoFit/>
+          </a:bodyPr>
+          <a:lstStyle/>
+          <a:p>
+            <a:pPr marL="285750" indent="-285750">
+              <a:buClr>
+                <a:srgbClr val="00B050"/>
+              </a:buClr>
+              <a:buFont typeface="Wingdings" panose="05000000000000000000" pitchFamily="2" charset="2"/>
+              <a:buChar char="ü"/>
+            </a:pPr>
+            <a:r>
+              <a:rPr lang="en-US" dirty="0">
+                <a:latin typeface="Arial Narrow" panose="020B0606020202030204" pitchFamily="34" charset="0"/>
+              </a:rPr>
+              <a:t>Authentication should use this table.</a:t>
+            </a:r>
+          </a:p>
+          <a:p>
+            <a:pPr marL="285750" indent="-285750">
+              <a:buClr>
+                <a:srgbClr val="00B050"/>
+              </a:buClr>
+              <a:buFont typeface="Wingdings" panose="05000000000000000000" pitchFamily="2" charset="2"/>
+              <a:buChar char="ü"/>
+            </a:pPr>
+            <a:r>
+              <a:rPr lang="en-US" dirty="0">
+                <a:latin typeface="Arial Narrow" panose="020B0606020202030204" pitchFamily="34" charset="0"/>
+              </a:rPr>
+              <a:t>This table has no more job to handle authentication.</a:t>
+            </a:r>
+          </a:p>
+        </p:txBody>
+      </p:sp>
+      <p:graphicFrame>
+        <p:nvGraphicFramePr>
+          <p:cNvPr id="21" name="Table 4">
+            <a:extLst>
+              <a:ext uri="{FF2B5EF4-FFF2-40B4-BE49-F238E27FC236}">
+                <a16:creationId xmlns:a16="http://schemas.microsoft.com/office/drawing/2014/main" id="{7CCB55E1-4BFC-4D21-8423-CB24C70E5131}"/>
+              </a:ext>
+            </a:extLst>
+          </p:cNvPr>
+          <p:cNvGraphicFramePr>
+            <a:graphicFrameLocks noGrp="1"/>
+          </p:cNvGraphicFramePr>
+          <p:nvPr>
+            <p:extLst>
+              <p:ext uri="{D42A27DB-BD31-4B8C-83A1-F6EECF244321}">
+                <p14:modId xmlns:p14="http://schemas.microsoft.com/office/powerpoint/2010/main" val="4061431845"/>
+              </p:ext>
+            </p:extLst>
+          </p:nvPr>
+        </p:nvGraphicFramePr>
+        <p:xfrm>
+          <a:off x="1009825" y="1946526"/>
+          <a:ext cx="9539895" cy="1112520"/>
+        </p:xfrm>
+        <a:graphic>
+          <a:graphicData uri="http://schemas.openxmlformats.org/drawingml/2006/table">
+            <a:tbl>
+              <a:tblPr firstRow="1" bandRow="1">
+                <a:tableStyleId>{5940675A-B579-460E-94D1-54222C63F5DA}</a:tableStyleId>
+              </a:tblPr>
+              <a:tblGrid>
+                <a:gridCol w="1907979">
+                  <a:extLst>
+                    <a:ext uri="{9D8B030D-6E8A-4147-A177-3AD203B41FA5}">
+                      <a16:colId xmlns:a16="http://schemas.microsoft.com/office/drawing/2014/main" val="3754981159"/>
+                    </a:ext>
+                  </a:extLst>
+                </a:gridCol>
+                <a:gridCol w="1907979">
+                  <a:extLst>
+                    <a:ext uri="{9D8B030D-6E8A-4147-A177-3AD203B41FA5}">
+                      <a16:colId xmlns:a16="http://schemas.microsoft.com/office/drawing/2014/main" val="3021474219"/>
+                    </a:ext>
+                  </a:extLst>
+                </a:gridCol>
+                <a:gridCol w="1907979">
+                  <a:extLst>
+                    <a:ext uri="{9D8B030D-6E8A-4147-A177-3AD203B41FA5}">
+                      <a16:colId xmlns:a16="http://schemas.microsoft.com/office/drawing/2014/main" val="3981111130"/>
+                    </a:ext>
+                  </a:extLst>
+                </a:gridCol>
+                <a:gridCol w="1907979">
+                  <a:extLst>
+                    <a:ext uri="{9D8B030D-6E8A-4147-A177-3AD203B41FA5}">
+                      <a16:colId xmlns:a16="http://schemas.microsoft.com/office/drawing/2014/main" val="3706363297"/>
+                    </a:ext>
+                  </a:extLst>
+                </a:gridCol>
+                <a:gridCol w="1907979">
+                  <a:extLst>
+                    <a:ext uri="{9D8B030D-6E8A-4147-A177-3AD203B41FA5}">
+                      <a16:colId xmlns:a16="http://schemas.microsoft.com/office/drawing/2014/main" val="2694398640"/>
+                    </a:ext>
+                  </a:extLst>
+                </a:gridCol>
+              </a:tblGrid>
+              <a:tr h="370840">
+                <a:tc gridSpan="5">
+                  <a:txBody>
+                    <a:bodyPr/>
+                    <a:lstStyle/>
+                    <a:p>
+                      <a:pPr algn="ctr"/>
+                      <a:r>
+                        <a:rPr lang="en-US" b="1" dirty="0"/>
+                        <a:t>admins</a:t>
+                      </a:r>
+                    </a:p>
+                  </a:txBody>
+                  <a:tcPr/>
+                </a:tc>
+                <a:tc hMerge="1">
+                  <a:txBody>
+                    <a:bodyPr/>
+                    <a:lstStyle/>
+                    <a:p>
+                      <a:pPr algn="ctr"/>
+                      <a:endParaRPr lang="en-US" b="1" dirty="0"/>
+                    </a:p>
+                  </a:txBody>
+                  <a:tcPr/>
+                </a:tc>
+                <a:tc hMerge="1">
+                  <a:txBody>
+                    <a:bodyPr/>
+                    <a:lstStyle/>
+                    <a:p>
+                      <a:pPr algn="ctr"/>
+                      <a:endParaRPr lang="en-US" b="1" dirty="0"/>
+                    </a:p>
+                  </a:txBody>
+                  <a:tcPr/>
+                </a:tc>
+                <a:tc hMerge="1">
+                  <a:txBody>
+                    <a:bodyPr/>
+                    <a:lstStyle/>
+                    <a:p>
+                      <a:pPr algn="ctr"/>
+                      <a:endParaRPr lang="en-US" b="1" dirty="0"/>
+                    </a:p>
+                  </a:txBody>
+                  <a:tcPr/>
+                </a:tc>
+                <a:tc hMerge="1">
+                  <a:txBody>
+                    <a:bodyPr/>
+                    <a:lstStyle/>
+                    <a:p>
+                      <a:pPr algn="ctr"/>
+                      <a:endParaRPr lang="en-US" b="1" dirty="0"/>
+                    </a:p>
+                  </a:txBody>
+                  <a:tcPr/>
+                </a:tc>
+                <a:extLst>
+                  <a:ext uri="{0D108BD9-81ED-4DB2-BD59-A6C34878D82A}">
+                    <a16:rowId xmlns:a16="http://schemas.microsoft.com/office/drawing/2014/main" val="1090423420"/>
+                  </a:ext>
+                </a:extLst>
+              </a:tr>
+              <a:tr h="370840">
+                <a:tc>
+                  <a:txBody>
+                    <a:bodyPr/>
+                    <a:lstStyle/>
+                    <a:p>
+                      <a:pPr algn="ctr"/>
+                      <a:r>
+                        <a:rPr lang="en-US" b="1" dirty="0"/>
+                        <a:t>Id</a:t>
+                      </a:r>
+                    </a:p>
+                  </a:txBody>
+                  <a:tcPr/>
+                </a:tc>
+                <a:tc>
+                  <a:txBody>
+                    <a:bodyPr/>
+                    <a:lstStyle/>
+                    <a:p>
+                      <a:pPr algn="ctr"/>
+                      <a:r>
+                        <a:rPr lang="en-US" b="1" dirty="0"/>
+                        <a:t>email</a:t>
+                      </a:r>
+                    </a:p>
+                  </a:txBody>
+                  <a:tcPr/>
+                </a:tc>
+                <a:tc>
+                  <a:txBody>
+                    <a:bodyPr/>
+                    <a:lstStyle/>
+                    <a:p>
+                      <a:pPr algn="ctr"/>
+                      <a:r>
+                        <a:rPr lang="en-US" b="1" dirty="0"/>
+                        <a:t>email_verified_at</a:t>
+                      </a:r>
+                    </a:p>
+                  </a:txBody>
+                  <a:tcPr/>
+                </a:tc>
+                <a:tc>
+                  <a:txBody>
+                    <a:bodyPr/>
+                    <a:lstStyle/>
+                    <a:p>
+                      <a:pPr algn="ctr"/>
+                      <a:r>
+                        <a:rPr lang="en-US" b="1" dirty="0"/>
+                        <a:t>Password</a:t>
+                      </a:r>
+                    </a:p>
+                  </a:txBody>
+                  <a:tcPr/>
+                </a:tc>
+                <a:tc>
+                  <a:txBody>
+                    <a:bodyPr/>
+                    <a:lstStyle/>
+                    <a:p>
+                      <a:pPr algn="ctr"/>
+                      <a:r>
+                        <a:rPr lang="en-US" b="1" dirty="0" err="1"/>
+                        <a:t>Remember_token</a:t>
+                      </a:r>
+                      <a:endParaRPr lang="en-US" b="1" dirty="0"/>
+                    </a:p>
+                  </a:txBody>
+                  <a:tcPr/>
+                </a:tc>
+                <a:extLst>
+                  <a:ext uri="{0D108BD9-81ED-4DB2-BD59-A6C34878D82A}">
+                    <a16:rowId xmlns:a16="http://schemas.microsoft.com/office/drawing/2014/main" val="1660160347"/>
+                  </a:ext>
+                </a:extLst>
+              </a:tr>
+              <a:tr h="370840">
+                <a:tc>
+                  <a:txBody>
+                    <a:bodyPr/>
+                    <a:lstStyle/>
+                    <a:p>
+                      <a:pPr algn="ctr"/>
+                      <a:r>
+                        <a:rPr lang="en-US" dirty="0"/>
+                        <a:t>Integer</a:t>
+                      </a:r>
+                    </a:p>
+                  </a:txBody>
+                  <a:tcPr/>
+                </a:tc>
+                <a:tc>
+                  <a:txBody>
+                    <a:bodyPr/>
+                    <a:lstStyle/>
+                    <a:p>
+                      <a:pPr algn="ctr"/>
+                      <a:r>
+                        <a:rPr lang="en-US" dirty="0"/>
+                        <a:t>string</a:t>
+                      </a:r>
+                    </a:p>
+                  </a:txBody>
+                  <a:tcPr/>
+                </a:tc>
+                <a:tc>
+                  <a:txBody>
+                    <a:bodyPr/>
+                    <a:lstStyle/>
+                    <a:p>
+                      <a:pPr algn="ctr"/>
+                      <a:r>
+                        <a:rPr lang="en-US" dirty="0"/>
+                        <a:t>integer</a:t>
+                      </a:r>
+                    </a:p>
+                  </a:txBody>
+                  <a:tcPr/>
+                </a:tc>
+                <a:tc>
+                  <a:txBody>
+                    <a:bodyPr/>
+                    <a:lstStyle/>
+                    <a:p>
+                      <a:pPr algn="ctr"/>
+                      <a:r>
+                        <a:rPr lang="en-US" dirty="0"/>
+                        <a:t>String (Hash)</a:t>
+                      </a:r>
+                    </a:p>
+                  </a:txBody>
+                  <a:tcPr/>
+                </a:tc>
+                <a:tc>
+                  <a:txBody>
+                    <a:bodyPr/>
+                    <a:lstStyle/>
+                    <a:p>
+                      <a:pPr algn="ctr"/>
+                      <a:r>
+                        <a:rPr lang="en-US" dirty="0"/>
+                        <a:t>String (Hash)</a:t>
+                      </a:r>
+                    </a:p>
+                  </a:txBody>
+                  <a:tcPr/>
+                </a:tc>
+                <a:extLst>
+                  <a:ext uri="{0D108BD9-81ED-4DB2-BD59-A6C34878D82A}">
+                    <a16:rowId xmlns:a16="http://schemas.microsoft.com/office/drawing/2014/main" val="3642843113"/>
+                  </a:ext>
+                </a:extLst>
+              </a:tr>
+            </a:tbl>
+          </a:graphicData>
+        </a:graphic>
+      </p:graphicFrame>
+      <p:sp>
+        <p:nvSpPr>
+          <p:cNvPr id="6" name="Rectangle 5">
+            <a:extLst>
+              <a:ext uri="{FF2B5EF4-FFF2-40B4-BE49-F238E27FC236}">
+                <a16:creationId xmlns:a16="http://schemas.microsoft.com/office/drawing/2014/main" id="{75ED8CB2-C536-456F-919E-A544DD05C08A}"/>
+              </a:ext>
+            </a:extLst>
+          </p:cNvPr>
+          <p:cNvSpPr/>
+          <p:nvPr/>
+        </p:nvSpPr>
+        <p:spPr>
+          <a:xfrm>
+            <a:off x="1725306" y="4314155"/>
+            <a:ext cx="1815152" cy="562970"/>
+          </a:xfrm>
+          <a:prstGeom prst="rect">
+            <a:avLst/>
+          </a:prstGeom>
+          <a:solidFill>
+            <a:schemeClr val="accent1"/>
+          </a:solidFill>
+        </p:spPr>
+        <p:style>
+          <a:lnRef idx="3">
+            <a:schemeClr val="lt1"/>
+          </a:lnRef>
+          <a:fillRef idx="1">
+            <a:schemeClr val="accent4"/>
+          </a:fillRef>
+          <a:effectRef idx="1">
+            <a:schemeClr val="accent4"/>
+          </a:effectRef>
+          <a:fontRef idx="minor">
+            <a:schemeClr val="lt1"/>
+          </a:fontRef>
+        </p:style>
+        <p:txBody>
+          <a:bodyPr rtlCol="0" anchor="ctr"/>
+          <a:lstStyle/>
+          <a:p>
+            <a:pPr algn="ctr"/>
+            <a:r>
+              <a:rPr lang="en-US" dirty="0">
+                <a:latin typeface="Arial Narrow" panose="020B0606020202030204" pitchFamily="34" charset="0"/>
+              </a:rPr>
+              <a:t>Login Request</a:t>
+            </a:r>
+          </a:p>
+        </p:txBody>
+      </p:sp>
+      <p:sp>
+        <p:nvSpPr>
+          <p:cNvPr id="12" name="Rectangle 11">
+            <a:extLst>
+              <a:ext uri="{FF2B5EF4-FFF2-40B4-BE49-F238E27FC236}">
+                <a16:creationId xmlns:a16="http://schemas.microsoft.com/office/drawing/2014/main" id="{D9DA3C9E-DBB4-4A0A-8A04-8B28B60153F0}"/>
+              </a:ext>
+            </a:extLst>
+          </p:cNvPr>
+          <p:cNvSpPr/>
+          <p:nvPr/>
+        </p:nvSpPr>
+        <p:spPr>
+          <a:xfrm>
+            <a:off x="4852918" y="3798955"/>
+            <a:ext cx="1815152" cy="1364765"/>
+          </a:xfrm>
+          <a:prstGeom prst="rect">
+            <a:avLst/>
+          </a:prstGeom>
+        </p:spPr>
+        <p:style>
+          <a:lnRef idx="0">
+            <a:schemeClr val="accent5"/>
+          </a:lnRef>
+          <a:fillRef idx="3">
+            <a:schemeClr val="accent5"/>
+          </a:fillRef>
+          <a:effectRef idx="3">
+            <a:schemeClr val="accent5"/>
+          </a:effectRef>
+          <a:fontRef idx="minor">
+            <a:schemeClr val="lt1"/>
+          </a:fontRef>
+        </p:style>
+        <p:txBody>
+          <a:bodyPr rtlCol="0" anchor="ctr"/>
+          <a:lstStyle/>
+          <a:p>
+            <a:pPr algn="ctr"/>
+            <a:r>
+              <a:rPr lang="en-US" dirty="0">
+                <a:latin typeface="Arial Narrow" panose="020B0606020202030204" pitchFamily="34" charset="0"/>
+              </a:rPr>
+              <a:t>Login Controller </a:t>
+            </a:r>
+          </a:p>
+          <a:p>
+            <a:pPr algn="ctr"/>
+            <a:r>
+              <a:rPr lang="en-US" dirty="0">
+                <a:latin typeface="Arial Narrow" panose="020B0606020202030204" pitchFamily="34" charset="0"/>
+              </a:rPr>
+              <a:t>(Verify Authentication)</a:t>
+            </a:r>
+          </a:p>
+        </p:txBody>
+      </p:sp>
+      <p:cxnSp>
+        <p:nvCxnSpPr>
+          <p:cNvPr id="16" name="Straight Arrow Connector 15">
+            <a:extLst>
+              <a:ext uri="{FF2B5EF4-FFF2-40B4-BE49-F238E27FC236}">
+                <a16:creationId xmlns:a16="http://schemas.microsoft.com/office/drawing/2014/main" id="{21EA9BD7-2059-441C-BABE-27763F22C38E}"/>
+              </a:ext>
+            </a:extLst>
+          </p:cNvPr>
+          <p:cNvCxnSpPr/>
+          <p:nvPr/>
+        </p:nvCxnSpPr>
+        <p:spPr>
+          <a:xfrm>
+            <a:off x="3671248" y="4549579"/>
+            <a:ext cx="1050878" cy="0"/>
+          </a:xfrm>
+          <a:prstGeom prst="straightConnector1">
+            <a:avLst/>
+          </a:prstGeom>
+          <a:ln>
+            <a:headEnd type="triangle"/>
+            <a:tailEnd type="triangle"/>
+          </a:ln>
+        </p:spPr>
+        <p:style>
+          <a:lnRef idx="1">
+            <a:schemeClr val="dk1"/>
+          </a:lnRef>
+          <a:fillRef idx="0">
+            <a:schemeClr val="dk1"/>
+          </a:fillRef>
+          <a:effectRef idx="0">
+            <a:schemeClr val="dk1"/>
+          </a:effectRef>
+          <a:fontRef idx="minor">
+            <a:schemeClr val="tx1"/>
+          </a:fontRef>
+        </p:style>
+      </p:cxnSp>
+      <p:sp>
+        <p:nvSpPr>
+          <p:cNvPr id="17" name="Cylinder 16">
+            <a:extLst>
+              <a:ext uri="{FF2B5EF4-FFF2-40B4-BE49-F238E27FC236}">
+                <a16:creationId xmlns:a16="http://schemas.microsoft.com/office/drawing/2014/main" id="{31839A88-EAA4-4412-A558-702D11BA7F9C}"/>
+              </a:ext>
+            </a:extLst>
+          </p:cNvPr>
+          <p:cNvSpPr/>
+          <p:nvPr/>
+        </p:nvSpPr>
+        <p:spPr>
+          <a:xfrm>
+            <a:off x="7703471" y="4112849"/>
+            <a:ext cx="554117" cy="736976"/>
+          </a:xfrm>
+          <a:prstGeom prst="can">
+            <a:avLst/>
+          </a:prstGeom>
+        </p:spPr>
+        <p:style>
+          <a:lnRef idx="0">
+            <a:schemeClr val="dk1"/>
+          </a:lnRef>
+          <a:fillRef idx="3">
+            <a:schemeClr val="dk1"/>
+          </a:fillRef>
+          <a:effectRef idx="3">
+            <a:schemeClr val="dk1"/>
+          </a:effectRef>
+          <a:fontRef idx="minor">
+            <a:schemeClr val="lt1"/>
+          </a:fontRef>
+        </p:style>
+        <p:txBody>
+          <a:bodyPr rtlCol="0" anchor="ctr"/>
+          <a:lstStyle/>
+          <a:p>
+            <a:pPr algn="ctr"/>
+            <a:r>
+              <a:rPr lang="en-US" dirty="0" err="1">
+                <a:latin typeface="Arial Narrow" panose="020B0606020202030204" pitchFamily="34" charset="0"/>
+              </a:rPr>
+              <a:t>db</a:t>
+            </a:r>
+            <a:endParaRPr lang="en-US" dirty="0">
+              <a:latin typeface="Arial Narrow" panose="020B0606020202030204" pitchFamily="34" charset="0"/>
+            </a:endParaRPr>
+          </a:p>
+        </p:txBody>
+      </p:sp>
+      <p:cxnSp>
+        <p:nvCxnSpPr>
+          <p:cNvPr id="23" name="Straight Arrow Connector 22">
+            <a:extLst>
+              <a:ext uri="{FF2B5EF4-FFF2-40B4-BE49-F238E27FC236}">
+                <a16:creationId xmlns:a16="http://schemas.microsoft.com/office/drawing/2014/main" id="{B42D3F4C-267F-4012-91C3-35526E670FD2}"/>
+              </a:ext>
+            </a:extLst>
+          </p:cNvPr>
+          <p:cNvCxnSpPr/>
+          <p:nvPr/>
+        </p:nvCxnSpPr>
+        <p:spPr>
+          <a:xfrm>
+            <a:off x="6782828" y="4481337"/>
+            <a:ext cx="791680" cy="0"/>
+          </a:xfrm>
+          <a:prstGeom prst="straightConnector1">
+            <a:avLst/>
+          </a:prstGeom>
+          <a:ln>
+            <a:headEnd type="triangle"/>
+            <a:tailEnd type="triangle"/>
+          </a:ln>
+        </p:spPr>
+        <p:style>
+          <a:lnRef idx="1">
+            <a:schemeClr val="dk1"/>
+          </a:lnRef>
+          <a:fillRef idx="0">
+            <a:schemeClr val="dk1"/>
+          </a:fillRef>
+          <a:effectRef idx="0">
+            <a:schemeClr val="dk1"/>
+          </a:effectRef>
+          <a:fontRef idx="minor">
+            <a:schemeClr val="tx1"/>
+          </a:fontRef>
+        </p:style>
+      </p:cxnSp>
+    </p:spTree>
+    <p:extLst>
+      <p:ext uri="{BB962C8B-B14F-4D97-AF65-F5344CB8AC3E}">
+        <p14:creationId xmlns:p14="http://schemas.microsoft.com/office/powerpoint/2010/main" val="3451120352"/>
+      </p:ext>
+    </p:extLst>
+  </p:cSld>
+  <p:clrMapOvr>
+    <a:masterClrMapping/>
+  </p:clrMapOvr>
+</p:sld>
+</file>
+
+<file path=ppt/slides/slide4.xml><?xml version="1.0" encoding="utf-8"?>
+<p:sld xmlns:a="http://schemas.openxmlformats.org/drawingml/2006/main" xmlns:r="http://schemas.openxmlformats.org/officeDocument/2006/relationships" xmlns:p="http://schemas.openxmlformats.org/presentationml/2006/main">
+  <p:cSld>
+    <p:spTree>
+      <p:nvGrpSpPr>
+        <p:cNvPr id="1" name=""/>
+        <p:cNvGrpSpPr/>
+        <p:nvPr/>
+      </p:nvGrpSpPr>
+      <p:grpSpPr>
+        <a:xfrm>
+          <a:off x="0" y="0"/>
+          <a:ext cx="0" cy="0"/>
+          <a:chOff x="0" y="0"/>
+          <a:chExt cx="0" cy="0"/>
+        </a:xfrm>
+      </p:grpSpPr>
+      <p:sp>
+        <p:nvSpPr>
+          <p:cNvPr id="2" name="Title 1">
+            <a:extLst>
+              <a:ext uri="{FF2B5EF4-FFF2-40B4-BE49-F238E27FC236}">
+                <a16:creationId xmlns:a16="http://schemas.microsoft.com/office/drawing/2014/main" id="{8E6C9ADD-977C-4ADD-9B84-E4273B15860B}"/>
+              </a:ext>
+            </a:extLst>
+          </p:cNvPr>
+          <p:cNvSpPr>
+            <a:spLocks noGrp="1"/>
+          </p:cNvSpPr>
+          <p:nvPr>
+            <p:ph type="title"/>
+          </p:nvPr>
+        </p:nvSpPr>
+        <p:spPr>
+          <a:xfrm>
+            <a:off x="838200" y="365125"/>
+            <a:ext cx="8319447" cy="740343"/>
+          </a:xfrm>
+        </p:spPr>
+        <p:txBody>
+          <a:bodyPr>
+            <a:normAutofit/>
+          </a:bodyPr>
+          <a:lstStyle/>
+          <a:p>
+            <a:r>
+              <a:rPr lang="en-US" sz="1800" dirty="0">
+                <a:latin typeface="Inter 18pt" panose="02000503000000020004" pitchFamily="2" charset="0"/>
+                <a:ea typeface="Inter 18pt" panose="02000503000000020004" pitchFamily="2" charset="0"/>
+              </a:rPr>
+              <a:t>Table Name: exam </a:t>
+            </a:r>
+            <a:br>
+              <a:rPr lang="en-US" sz="1800" dirty="0">
+                <a:latin typeface="Inter 18pt" panose="02000503000000020004" pitchFamily="2" charset="0"/>
+                <a:ea typeface="Inter 18pt" panose="02000503000000020004" pitchFamily="2" charset="0"/>
+              </a:rPr>
+            </a:br>
+            <a:r>
+              <a:rPr lang="en-US" sz="1800" dirty="0">
+                <a:latin typeface="Inter 18pt" panose="02000503000000020004" pitchFamily="2" charset="0"/>
+                <a:ea typeface="Inter 18pt" panose="02000503000000020004" pitchFamily="2" charset="0"/>
+              </a:rPr>
+              <a:t>Role: admin (Read, Write </a:t>
+            </a:r>
+            <a:r>
+              <a:rPr lang="en-US" sz="1800">
+                <a:latin typeface="Inter 18pt" panose="02000503000000020004" pitchFamily="2" charset="0"/>
+                <a:ea typeface="Inter 18pt" panose="02000503000000020004" pitchFamily="2" charset="0"/>
+              </a:rPr>
+              <a:t>and Execute)</a:t>
+            </a:r>
+            <a:endParaRPr lang="en-US" sz="1800" dirty="0">
+              <a:latin typeface="Inter 18pt" panose="02000503000000020004" pitchFamily="2" charset="0"/>
+              <a:ea typeface="Inter 18pt" panose="02000503000000020004" pitchFamily="2" charset="0"/>
+            </a:endParaRPr>
+          </a:p>
+        </p:txBody>
+      </p:sp>
+      <p:sp>
+        <p:nvSpPr>
+          <p:cNvPr id="5" name="TextBox 4">
+            <a:extLst>
+              <a:ext uri="{FF2B5EF4-FFF2-40B4-BE49-F238E27FC236}">
+                <a16:creationId xmlns:a16="http://schemas.microsoft.com/office/drawing/2014/main" id="{87852E62-169B-40FE-99EE-FA34609481B3}"/>
+              </a:ext>
+            </a:extLst>
+          </p:cNvPr>
+          <p:cNvSpPr txBox="1"/>
+          <p:nvPr/>
+        </p:nvSpPr>
+        <p:spPr>
+          <a:xfrm>
+            <a:off x="736979" y="1105468"/>
+            <a:ext cx="4189673" cy="646331"/>
+          </a:xfrm>
+          <a:prstGeom prst="rect">
+            <a:avLst/>
+          </a:prstGeom>
+          <a:noFill/>
+        </p:spPr>
+        <p:txBody>
+          <a:bodyPr wrap="none" rtlCol="0">
+            <a:spAutoFit/>
+          </a:bodyPr>
+          <a:lstStyle/>
+          <a:p>
+            <a:pPr marL="285750" indent="-285750">
+              <a:buClr>
+                <a:srgbClr val="00B050"/>
+              </a:buClr>
+              <a:buFont typeface="Wingdings" panose="05000000000000000000" pitchFamily="2" charset="2"/>
+              <a:buChar char="ü"/>
+            </a:pPr>
+            <a:r>
+              <a:rPr lang="en-US" dirty="0"/>
+              <a:t>This table holds all active exam</a:t>
+            </a:r>
+          </a:p>
+          <a:p>
+            <a:pPr marL="285750" indent="-285750">
+              <a:buClr>
+                <a:srgbClr val="00B050"/>
+              </a:buClr>
+              <a:buFont typeface="Wingdings" panose="05000000000000000000" pitchFamily="2" charset="2"/>
+              <a:buChar char="ü"/>
+            </a:pPr>
+            <a:r>
+              <a:rPr lang="en-US" dirty="0"/>
+              <a:t>Activate the Exam based on </a:t>
+            </a:r>
+            <a:r>
+              <a:rPr lang="en-US" b="1" dirty="0" err="1"/>
+              <a:t>exam_code</a:t>
+            </a:r>
+            <a:endParaRPr lang="en-US" b="1" dirty="0"/>
+          </a:p>
+        </p:txBody>
+      </p:sp>
+      <p:graphicFrame>
+        <p:nvGraphicFramePr>
+          <p:cNvPr id="6" name="Table 6">
+            <a:extLst>
+              <a:ext uri="{FF2B5EF4-FFF2-40B4-BE49-F238E27FC236}">
+                <a16:creationId xmlns:a16="http://schemas.microsoft.com/office/drawing/2014/main" id="{6A7EBC5E-CB05-48C8-A145-AF84126CE8CD}"/>
+              </a:ext>
+            </a:extLst>
+          </p:cNvPr>
+          <p:cNvGraphicFramePr>
+            <a:graphicFrameLocks noGrp="1"/>
+          </p:cNvGraphicFramePr>
+          <p:nvPr>
+            <p:extLst>
+              <p:ext uri="{D42A27DB-BD31-4B8C-83A1-F6EECF244321}">
+                <p14:modId xmlns:p14="http://schemas.microsoft.com/office/powerpoint/2010/main" val="4119018884"/>
+              </p:ext>
+            </p:extLst>
+          </p:nvPr>
+        </p:nvGraphicFramePr>
+        <p:xfrm>
+          <a:off x="1122261" y="1845811"/>
+          <a:ext cx="8158216" cy="741680"/>
+        </p:xfrm>
+        <a:graphic>
+          <a:graphicData uri="http://schemas.openxmlformats.org/drawingml/2006/table">
+            <a:tbl>
+              <a:tblPr firstRow="1" bandRow="1">
+                <a:tableStyleId>{5940675A-B579-460E-94D1-54222C63F5DA}</a:tableStyleId>
+              </a:tblPr>
+              <a:tblGrid>
+                <a:gridCol w="597357">
+                  <a:extLst>
+                    <a:ext uri="{9D8B030D-6E8A-4147-A177-3AD203B41FA5}">
+                      <a16:colId xmlns:a16="http://schemas.microsoft.com/office/drawing/2014/main" val="1752901856"/>
+                    </a:ext>
+                  </a:extLst>
+                </a:gridCol>
+                <a:gridCol w="682388">
+                  <a:extLst>
+                    <a:ext uri="{9D8B030D-6E8A-4147-A177-3AD203B41FA5}">
+                      <a16:colId xmlns:a16="http://schemas.microsoft.com/office/drawing/2014/main" val="3265588655"/>
+                    </a:ext>
+                  </a:extLst>
+                </a:gridCol>
+                <a:gridCol w="1296537">
+                  <a:extLst>
+                    <a:ext uri="{9D8B030D-6E8A-4147-A177-3AD203B41FA5}">
+                      <a16:colId xmlns:a16="http://schemas.microsoft.com/office/drawing/2014/main" val="1560994664"/>
+                    </a:ext>
+                  </a:extLst>
+                </a:gridCol>
+                <a:gridCol w="1146412">
+                  <a:extLst>
+                    <a:ext uri="{9D8B030D-6E8A-4147-A177-3AD203B41FA5}">
+                      <a16:colId xmlns:a16="http://schemas.microsoft.com/office/drawing/2014/main" val="2032673277"/>
+                    </a:ext>
+                  </a:extLst>
+                </a:gridCol>
+                <a:gridCol w="846161">
+                  <a:extLst>
+                    <a:ext uri="{9D8B030D-6E8A-4147-A177-3AD203B41FA5}">
+                      <a16:colId xmlns:a16="http://schemas.microsoft.com/office/drawing/2014/main" val="1899846387"/>
+                    </a:ext>
+                  </a:extLst>
+                </a:gridCol>
+                <a:gridCol w="1228299">
+                  <a:extLst>
+                    <a:ext uri="{9D8B030D-6E8A-4147-A177-3AD203B41FA5}">
+                      <a16:colId xmlns:a16="http://schemas.microsoft.com/office/drawing/2014/main" val="1262195415"/>
+                    </a:ext>
+                  </a:extLst>
+                </a:gridCol>
+                <a:gridCol w="1105468">
+                  <a:extLst>
+                    <a:ext uri="{9D8B030D-6E8A-4147-A177-3AD203B41FA5}">
+                      <a16:colId xmlns:a16="http://schemas.microsoft.com/office/drawing/2014/main" val="1273112999"/>
+                    </a:ext>
+                  </a:extLst>
+                </a:gridCol>
+                <a:gridCol w="1255594">
+                  <a:extLst>
+                    <a:ext uri="{9D8B030D-6E8A-4147-A177-3AD203B41FA5}">
+                      <a16:colId xmlns:a16="http://schemas.microsoft.com/office/drawing/2014/main" val="211415029"/>
+                    </a:ext>
+                  </a:extLst>
+                </a:gridCol>
+              </a:tblGrid>
+              <a:tr h="370840">
+                <a:tc>
+                  <a:txBody>
+                    <a:bodyPr/>
+                    <a:lstStyle/>
+                    <a:p>
+                      <a:pPr algn="ctr"/>
+                      <a:r>
+                        <a:rPr lang="en-US" dirty="0"/>
+                        <a:t>Id</a:t>
+                      </a:r>
+                    </a:p>
+                  </a:txBody>
+                  <a:tcPr/>
+                </a:tc>
+                <a:tc>
+                  <a:txBody>
+                    <a:bodyPr/>
+                    <a:lstStyle/>
+                    <a:p>
+                      <a:pPr algn="ctr"/>
+                      <a:r>
+                        <a:rPr lang="en-US" b="1" dirty="0"/>
+                        <a:t>Org</a:t>
+                      </a:r>
+                    </a:p>
+                  </a:txBody>
+                  <a:tcPr/>
+                </a:tc>
+                <a:tc>
+                  <a:txBody>
+                    <a:bodyPr/>
+                    <a:lstStyle/>
+                    <a:p>
+                      <a:pPr algn="ctr"/>
+                      <a:r>
+                        <a:rPr lang="en-US" b="1" dirty="0" err="1"/>
+                        <a:t>exam_code</a:t>
+                      </a:r>
+                      <a:endParaRPr lang="en-US" b="1" dirty="0"/>
+                    </a:p>
+                  </a:txBody>
+                  <a:tcPr/>
+                </a:tc>
+                <a:tc>
+                  <a:txBody>
+                    <a:bodyPr/>
+                    <a:lstStyle/>
+                    <a:p>
+                      <a:pPr algn="ctr"/>
+                      <a:r>
+                        <a:rPr lang="en-US" dirty="0"/>
+                        <a:t>Duration</a:t>
+                      </a:r>
+                    </a:p>
+                  </a:txBody>
+                  <a:tcPr/>
+                </a:tc>
+                <a:tc>
+                  <a:txBody>
+                    <a:bodyPr/>
+                    <a:lstStyle/>
+                    <a:p>
+                      <a:pPr algn="ctr"/>
+                      <a:r>
+                        <a:rPr lang="en-US" dirty="0"/>
+                        <a:t>Wpm</a:t>
+                      </a:r>
+                    </a:p>
+                  </a:txBody>
+                  <a:tcPr/>
+                </a:tc>
+                <a:tc>
+                  <a:txBody>
+                    <a:bodyPr/>
+                    <a:lstStyle/>
+                    <a:p>
+                      <a:pPr algn="ctr"/>
+                      <a:r>
+                        <a:rPr lang="en-US" dirty="0"/>
+                        <a:t>Accuracy</a:t>
+                      </a:r>
+                    </a:p>
+                  </a:txBody>
+                  <a:tcPr/>
+                </a:tc>
+                <a:tc>
+                  <a:txBody>
+                    <a:bodyPr/>
+                    <a:lstStyle/>
+                    <a:p>
+                      <a:pPr algn="ctr"/>
+                      <a:r>
+                        <a:rPr lang="en-US" dirty="0"/>
+                        <a:t>Algorithm</a:t>
+                      </a:r>
+                    </a:p>
+                  </a:txBody>
+                  <a:tcPr/>
+                </a:tc>
+                <a:tc>
+                  <a:txBody>
+                    <a:bodyPr/>
+                    <a:lstStyle/>
+                    <a:p>
+                      <a:pPr algn="ctr"/>
+                      <a:r>
+                        <a:rPr lang="en-US" dirty="0"/>
+                        <a:t>active</a:t>
+                      </a:r>
+                    </a:p>
+                  </a:txBody>
+                  <a:tcPr/>
+                </a:tc>
+                <a:extLst>
+                  <a:ext uri="{0D108BD9-81ED-4DB2-BD59-A6C34878D82A}">
+                    <a16:rowId xmlns:a16="http://schemas.microsoft.com/office/drawing/2014/main" val="377536658"/>
+                  </a:ext>
+                </a:extLst>
+              </a:tr>
+              <a:tr h="370840">
+                <a:tc>
+                  <a:txBody>
+                    <a:bodyPr/>
+                    <a:lstStyle/>
+                    <a:p>
+                      <a:pPr algn="ctr"/>
+                      <a:r>
+                        <a:rPr lang="en-US" dirty="0"/>
+                        <a:t>Int</a:t>
+                      </a:r>
+                    </a:p>
+                  </a:txBody>
+                  <a:tcPr/>
+                </a:tc>
+                <a:tc>
+                  <a:txBody>
+                    <a:bodyPr/>
+                    <a:lstStyle/>
+                    <a:p>
+                      <a:pPr algn="ctr"/>
+                      <a:r>
+                        <a:rPr lang="en-US" dirty="0"/>
+                        <a:t>Str</a:t>
+                      </a:r>
+                    </a:p>
+                  </a:txBody>
+                  <a:tcPr/>
+                </a:tc>
+                <a:tc>
+                  <a:txBody>
+                    <a:bodyPr/>
+                    <a:lstStyle/>
+                    <a:p>
+                      <a:pPr algn="ctr"/>
+                      <a:r>
+                        <a:rPr lang="en-US" dirty="0"/>
+                        <a:t>Int</a:t>
+                      </a:r>
+                    </a:p>
+                  </a:txBody>
+                  <a:tcPr/>
+                </a:tc>
+                <a:tc>
+                  <a:txBody>
+                    <a:bodyPr/>
+                    <a:lstStyle/>
+                    <a:p>
+                      <a:pPr algn="ctr"/>
+                      <a:r>
+                        <a:rPr lang="en-US" dirty="0"/>
+                        <a:t>Int</a:t>
+                      </a:r>
+                    </a:p>
+                  </a:txBody>
+                  <a:tcPr/>
+                </a:tc>
+                <a:tc>
+                  <a:txBody>
+                    <a:bodyPr/>
+                    <a:lstStyle/>
+                    <a:p>
+                      <a:pPr algn="ctr"/>
+                      <a:r>
+                        <a:rPr lang="en-US" dirty="0"/>
+                        <a:t>Int</a:t>
+                      </a:r>
+                    </a:p>
+                  </a:txBody>
+                  <a:tcPr/>
+                </a:tc>
+                <a:tc>
+                  <a:txBody>
+                    <a:bodyPr/>
+                    <a:lstStyle/>
+                    <a:p>
+                      <a:pPr algn="ctr"/>
+                      <a:r>
+                        <a:rPr lang="en-US" dirty="0"/>
+                        <a:t>Int</a:t>
+                      </a:r>
+                    </a:p>
+                  </a:txBody>
+                  <a:tcPr/>
+                </a:tc>
+                <a:tc>
+                  <a:txBody>
+                    <a:bodyPr/>
+                    <a:lstStyle/>
+                    <a:p>
+                      <a:pPr algn="ctr"/>
+                      <a:r>
+                        <a:rPr lang="en-US" dirty="0"/>
+                        <a:t>Str</a:t>
+                      </a:r>
+                    </a:p>
+                  </a:txBody>
+                  <a:tcPr/>
+                </a:tc>
+                <a:tc>
+                  <a:txBody>
+                    <a:bodyPr/>
+                    <a:lstStyle/>
+                    <a:p>
+                      <a:pPr algn="ctr"/>
+                      <a:r>
+                        <a:rPr lang="en-US" dirty="0"/>
+                        <a:t>yes/no</a:t>
+                      </a:r>
+                    </a:p>
+                  </a:txBody>
+                  <a:tcPr/>
+                </a:tc>
+                <a:extLst>
+                  <a:ext uri="{0D108BD9-81ED-4DB2-BD59-A6C34878D82A}">
+                    <a16:rowId xmlns:a16="http://schemas.microsoft.com/office/drawing/2014/main" val="312951361"/>
+                  </a:ext>
+                </a:extLst>
+              </a:tr>
+            </a:tbl>
+          </a:graphicData>
+        </a:graphic>
+      </p:graphicFrame>
+      <p:graphicFrame>
+        <p:nvGraphicFramePr>
+          <p:cNvPr id="8" name="Table 4">
+            <a:extLst>
+              <a:ext uri="{FF2B5EF4-FFF2-40B4-BE49-F238E27FC236}">
+                <a16:creationId xmlns:a16="http://schemas.microsoft.com/office/drawing/2014/main" id="{68DB06AF-98CA-432E-9E7C-AE77F5306045}"/>
+              </a:ext>
+            </a:extLst>
+          </p:cNvPr>
+          <p:cNvGraphicFramePr>
+            <a:graphicFrameLocks noGrp="1"/>
+          </p:cNvGraphicFramePr>
+          <p:nvPr>
+            <p:extLst>
+              <p:ext uri="{D42A27DB-BD31-4B8C-83A1-F6EECF244321}">
+                <p14:modId xmlns:p14="http://schemas.microsoft.com/office/powerpoint/2010/main" val="2908496920"/>
+              </p:ext>
+            </p:extLst>
+          </p:nvPr>
+        </p:nvGraphicFramePr>
+        <p:xfrm>
+          <a:off x="3806205" y="3000288"/>
+          <a:ext cx="5474272" cy="1112520"/>
+        </p:xfrm>
+        <a:graphic>
+          <a:graphicData uri="http://schemas.openxmlformats.org/drawingml/2006/table">
+            <a:tbl>
+              <a:tblPr firstRow="1" bandRow="1">
+                <a:tableStyleId>{5940675A-B579-460E-94D1-54222C63F5DA}</a:tableStyleId>
+              </a:tblPr>
+              <a:tblGrid>
+                <a:gridCol w="1368568">
+                  <a:extLst>
+                    <a:ext uri="{9D8B030D-6E8A-4147-A177-3AD203B41FA5}">
+                      <a16:colId xmlns:a16="http://schemas.microsoft.com/office/drawing/2014/main" val="3754981159"/>
+                    </a:ext>
+                  </a:extLst>
+                </a:gridCol>
+                <a:gridCol w="1368568">
+                  <a:extLst>
+                    <a:ext uri="{9D8B030D-6E8A-4147-A177-3AD203B41FA5}">
+                      <a16:colId xmlns:a16="http://schemas.microsoft.com/office/drawing/2014/main" val="3021474219"/>
+                    </a:ext>
+                  </a:extLst>
+                </a:gridCol>
+                <a:gridCol w="1368568">
+                  <a:extLst>
+                    <a:ext uri="{9D8B030D-6E8A-4147-A177-3AD203B41FA5}">
+                      <a16:colId xmlns:a16="http://schemas.microsoft.com/office/drawing/2014/main" val="3981111130"/>
+                    </a:ext>
+                  </a:extLst>
+                </a:gridCol>
+                <a:gridCol w="1368568">
+                  <a:extLst>
+                    <a:ext uri="{9D8B030D-6E8A-4147-A177-3AD203B41FA5}">
+                      <a16:colId xmlns:a16="http://schemas.microsoft.com/office/drawing/2014/main" val="1449055563"/>
+                    </a:ext>
+                  </a:extLst>
+                </a:gridCol>
+              </a:tblGrid>
+              <a:tr h="370840">
+                <a:tc gridSpan="4">
+                  <a:txBody>
+                    <a:bodyPr/>
+                    <a:lstStyle/>
+                    <a:p>
+                      <a:pPr algn="ctr"/>
+                      <a:r>
+                        <a:rPr lang="en-US" b="1" dirty="0"/>
+                        <a:t>Users</a:t>
+                      </a:r>
+                    </a:p>
+                  </a:txBody>
+                  <a:tcPr/>
+                </a:tc>
+                <a:tc hMerge="1">
+                  <a:txBody>
+                    <a:bodyPr/>
+                    <a:lstStyle/>
+                    <a:p>
+                      <a:pPr algn="ctr"/>
+                      <a:endParaRPr lang="en-US" b="1" dirty="0"/>
+                    </a:p>
+                  </a:txBody>
+                  <a:tcPr/>
+                </a:tc>
+                <a:tc hMerge="1">
+                  <a:txBody>
+                    <a:bodyPr/>
+                    <a:lstStyle/>
+                    <a:p>
+                      <a:pPr algn="ctr"/>
+                      <a:endParaRPr lang="en-US" b="1" dirty="0"/>
+                    </a:p>
+                  </a:txBody>
+                  <a:tcPr/>
+                </a:tc>
+                <a:tc hMerge="1">
+                  <a:txBody>
+                    <a:bodyPr/>
+                    <a:lstStyle/>
+                    <a:p>
+                      <a:pPr algn="ctr"/>
+                      <a:endParaRPr lang="en-US" b="1" dirty="0"/>
+                    </a:p>
+                  </a:txBody>
+                  <a:tcPr/>
+                </a:tc>
+                <a:extLst>
+                  <a:ext uri="{0D108BD9-81ED-4DB2-BD59-A6C34878D82A}">
+                    <a16:rowId xmlns:a16="http://schemas.microsoft.com/office/drawing/2014/main" val="1090423420"/>
+                  </a:ext>
+                </a:extLst>
+              </a:tr>
+              <a:tr h="370840">
+                <a:tc>
+                  <a:txBody>
+                    <a:bodyPr/>
+                    <a:lstStyle/>
+                    <a:p>
+                      <a:pPr algn="ctr"/>
+                      <a:r>
+                        <a:rPr lang="en-US" b="1" dirty="0"/>
+                        <a:t>Id</a:t>
+                      </a:r>
+                    </a:p>
+                  </a:txBody>
+                  <a:tcPr/>
+                </a:tc>
+                <a:tc>
+                  <a:txBody>
+                    <a:bodyPr/>
+                    <a:lstStyle/>
+                    <a:p>
+                      <a:pPr algn="ctr"/>
+                      <a:r>
+                        <a:rPr lang="en-US" b="1" dirty="0"/>
+                        <a:t>Phone</a:t>
+                      </a:r>
+                    </a:p>
+                  </a:txBody>
+                  <a:tcPr/>
+                </a:tc>
+                <a:tc>
+                  <a:txBody>
+                    <a:bodyPr/>
+                    <a:lstStyle/>
+                    <a:p>
+                      <a:pPr algn="ctr"/>
+                      <a:r>
+                        <a:rPr lang="en-US" b="1" dirty="0"/>
+                        <a:t>roll</a:t>
+                      </a:r>
+                    </a:p>
+                  </a:txBody>
+                  <a:tcPr/>
+                </a:tc>
+                <a:tc>
+                  <a:txBody>
+                    <a:bodyPr/>
+                    <a:lstStyle/>
+                    <a:p>
+                      <a:pPr marL="0" marR="0" lvl="0" indent="0" algn="ctr" defTabSz="914400" rtl="0" eaLnBrk="1" fontAlgn="auto" latinLnBrk="0" hangingPunct="1">
+                        <a:lnSpc>
+                          <a:spcPct val="100000"/>
+                        </a:lnSpc>
+                        <a:spcBef>
+                          <a:spcPts val="0"/>
+                        </a:spcBef>
+                        <a:spcAft>
+                          <a:spcPts val="0"/>
+                        </a:spcAft>
+                        <a:buClrTx/>
+                        <a:buSzTx/>
+                        <a:buFontTx/>
+                        <a:buNone/>
+                        <a:tabLst/>
+                        <a:defRPr/>
+                      </a:pPr>
+                      <a:r>
+                        <a:rPr lang="en-US" b="1" dirty="0">
+                          <a:solidFill>
+                            <a:srgbClr val="FF0000"/>
+                          </a:solidFill>
+                        </a:rPr>
+                        <a:t>exam_code</a:t>
+                      </a:r>
+                    </a:p>
+                  </a:txBody>
+                  <a:tcPr/>
+                </a:tc>
+                <a:extLst>
+                  <a:ext uri="{0D108BD9-81ED-4DB2-BD59-A6C34878D82A}">
+                    <a16:rowId xmlns:a16="http://schemas.microsoft.com/office/drawing/2014/main" val="1660160347"/>
+                  </a:ext>
+                </a:extLst>
+              </a:tr>
+              <a:tr h="370840">
+                <a:tc>
+                  <a:txBody>
+                    <a:bodyPr/>
+                    <a:lstStyle/>
+                    <a:p>
+                      <a:pPr algn="ctr"/>
+                      <a:r>
+                        <a:rPr lang="en-US" dirty="0"/>
+                        <a:t>Integer</a:t>
+                      </a:r>
+                    </a:p>
+                  </a:txBody>
+                  <a:tcPr/>
+                </a:tc>
+                <a:tc>
+                  <a:txBody>
+                    <a:bodyPr/>
+                    <a:lstStyle/>
+                    <a:p>
+                      <a:pPr algn="ctr"/>
+                      <a:r>
+                        <a:rPr lang="en-US" dirty="0"/>
+                        <a:t>Integer</a:t>
+                      </a:r>
+                    </a:p>
+                  </a:txBody>
+                  <a:tcPr/>
+                </a:tc>
+                <a:tc>
+                  <a:txBody>
+                    <a:bodyPr/>
+                    <a:lstStyle/>
+                    <a:p>
+                      <a:pPr algn="ctr"/>
+                      <a:r>
+                        <a:rPr lang="en-US" dirty="0"/>
+                        <a:t>integer</a:t>
+                      </a:r>
+                    </a:p>
+                  </a:txBody>
+                  <a:tcPr/>
+                </a:tc>
+                <a:tc>
+                  <a:txBody>
+                    <a:bodyPr/>
+                    <a:lstStyle/>
+                    <a:p>
+                      <a:pPr algn="ctr"/>
+                      <a:r>
+                        <a:rPr lang="en-US" dirty="0"/>
+                        <a:t>integer</a:t>
+                      </a:r>
+                    </a:p>
+                  </a:txBody>
+                  <a:tcPr/>
+                </a:tc>
+                <a:extLst>
+                  <a:ext uri="{0D108BD9-81ED-4DB2-BD59-A6C34878D82A}">
+                    <a16:rowId xmlns:a16="http://schemas.microsoft.com/office/drawing/2014/main" val="3642843113"/>
+                  </a:ext>
+                </a:extLst>
+              </a:tr>
+            </a:tbl>
+          </a:graphicData>
+        </a:graphic>
+      </p:graphicFrame>
+    </p:spTree>
+    <p:extLst>
+      <p:ext uri="{BB962C8B-B14F-4D97-AF65-F5344CB8AC3E}">
+        <p14:creationId xmlns:p14="http://schemas.microsoft.com/office/powerpoint/2010/main" val="2811281424"/>
+      </p:ext>
+    </p:extLst>
+  </p:cSld>
+  <p:clrMapOvr>
+    <a:masterClrMapping/>
+  </p:clrMapOvr>
+</p:sld>
+</file>
+
+<file path=ppt/slides/slide5.xml><?xml version="1.0" encoding="utf-8"?>
+<p:sld xmlns:a="http://schemas.openxmlformats.org/drawingml/2006/main" xmlns:r="http://schemas.openxmlformats.org/officeDocument/2006/relationships" xmlns:p="http://schemas.openxmlformats.org/presentationml/2006/main">
+  <p:cSld>
+    <p:spTree>
+      <p:nvGrpSpPr>
+        <p:cNvPr id="1" name=""/>
+        <p:cNvGrpSpPr/>
+        <p:nvPr/>
+      </p:nvGrpSpPr>
+      <p:grpSpPr>
+        <a:xfrm>
+          <a:off x="0" y="0"/>
+          <a:ext cx="0" cy="0"/>
+          <a:chOff x="0" y="0"/>
+          <a:chExt cx="0" cy="0"/>
+        </a:xfrm>
+      </p:grpSpPr>
+      <p:sp>
+        <p:nvSpPr>
+          <p:cNvPr id="2" name="Title 1">
+            <a:extLst>
+              <a:ext uri="{FF2B5EF4-FFF2-40B4-BE49-F238E27FC236}">
+                <a16:creationId xmlns:a16="http://schemas.microsoft.com/office/drawing/2014/main" id="{8E6C9ADD-977C-4ADD-9B84-E4273B15860B}"/>
+              </a:ext>
+            </a:extLst>
+          </p:cNvPr>
+          <p:cNvSpPr>
+            <a:spLocks noGrp="1"/>
+          </p:cNvSpPr>
+          <p:nvPr>
+            <p:ph type="title"/>
+          </p:nvPr>
+        </p:nvSpPr>
+        <p:spPr>
+          <a:xfrm>
+            <a:off x="838201" y="365125"/>
+            <a:ext cx="4675496" cy="562923"/>
+          </a:xfrm>
+        </p:spPr>
+        <p:txBody>
+          <a:bodyPr>
+            <a:normAutofit/>
+          </a:bodyPr>
+          <a:lstStyle/>
+          <a:p>
+            <a:r>
+              <a:rPr lang="en-US" sz="2000" dirty="0">
+                <a:latin typeface="Inter 18pt" panose="02000503000000020004" pitchFamily="2" charset="0"/>
+                <a:ea typeface="Inter 18pt" panose="02000503000000020004" pitchFamily="2" charset="0"/>
+              </a:rPr>
+              <a:t>Data Flow: Table Name: Users </a:t>
+            </a:r>
+          </a:p>
+        </p:txBody>
+      </p:sp>
+      <p:sp>
+        <p:nvSpPr>
+          <p:cNvPr id="3" name="TextBox 2">
+            <a:extLst>
+              <a:ext uri="{FF2B5EF4-FFF2-40B4-BE49-F238E27FC236}">
+                <a16:creationId xmlns:a16="http://schemas.microsoft.com/office/drawing/2014/main" id="{92D3F557-1748-4A3A-A3C9-7B5B51721494}"/>
+              </a:ext>
+            </a:extLst>
+          </p:cNvPr>
+          <p:cNvSpPr txBox="1"/>
+          <p:nvPr/>
+        </p:nvSpPr>
+        <p:spPr>
+          <a:xfrm>
+            <a:off x="838201" y="928048"/>
+            <a:ext cx="5888087" cy="646331"/>
+          </a:xfrm>
+          <a:prstGeom prst="rect">
+            <a:avLst/>
+          </a:prstGeom>
+          <a:noFill/>
+        </p:spPr>
+        <p:txBody>
+          <a:bodyPr wrap="none" rtlCol="0">
+            <a:spAutoFit/>
+          </a:bodyPr>
+          <a:lstStyle/>
+          <a:p>
+            <a:pPr marL="285750" indent="-285750">
+              <a:buClr>
+                <a:srgbClr val="00B050"/>
+              </a:buClr>
+              <a:buFont typeface="Wingdings" panose="05000000000000000000" pitchFamily="2" charset="2"/>
+              <a:buChar char="ü"/>
+            </a:pPr>
+            <a:r>
+              <a:rPr lang="en-US" dirty="0"/>
+              <a:t>User doesn’t required login</a:t>
+            </a:r>
+          </a:p>
+          <a:p>
+            <a:pPr marL="285750" indent="-285750">
+              <a:buClr>
+                <a:srgbClr val="00B050"/>
+              </a:buClr>
+              <a:buFont typeface="Wingdings" panose="05000000000000000000" pitchFamily="2" charset="2"/>
+              <a:buChar char="ü"/>
+            </a:pPr>
+            <a:r>
+              <a:rPr lang="en-US" dirty="0"/>
+              <a:t>Instead they should only verify phone, roll and exam code</a:t>
+            </a:r>
+          </a:p>
+        </p:txBody>
+      </p:sp>
+      <p:graphicFrame>
+        <p:nvGraphicFramePr>
+          <p:cNvPr id="4" name="Table 4">
+            <a:extLst>
+              <a:ext uri="{FF2B5EF4-FFF2-40B4-BE49-F238E27FC236}">
+                <a16:creationId xmlns:a16="http://schemas.microsoft.com/office/drawing/2014/main" id="{4EC66469-58A9-4818-B073-A7A5384E74AF}"/>
+              </a:ext>
+            </a:extLst>
+          </p:cNvPr>
+          <p:cNvGraphicFramePr>
+            <a:graphicFrameLocks noGrp="1"/>
+          </p:cNvGraphicFramePr>
+          <p:nvPr>
+            <p:extLst>
+              <p:ext uri="{D42A27DB-BD31-4B8C-83A1-F6EECF244321}">
+                <p14:modId xmlns:p14="http://schemas.microsoft.com/office/powerpoint/2010/main" val="3158572500"/>
+              </p:ext>
+            </p:extLst>
+          </p:nvPr>
+        </p:nvGraphicFramePr>
+        <p:xfrm>
+          <a:off x="994769" y="1823403"/>
+          <a:ext cx="5474272" cy="1112520"/>
+        </p:xfrm>
+        <a:graphic>
+          <a:graphicData uri="http://schemas.openxmlformats.org/drawingml/2006/table">
+            <a:tbl>
+              <a:tblPr firstRow="1" bandRow="1">
+                <a:tableStyleId>{5940675A-B579-460E-94D1-54222C63F5DA}</a:tableStyleId>
+              </a:tblPr>
+              <a:tblGrid>
+                <a:gridCol w="1368568">
+                  <a:extLst>
+                    <a:ext uri="{9D8B030D-6E8A-4147-A177-3AD203B41FA5}">
+                      <a16:colId xmlns:a16="http://schemas.microsoft.com/office/drawing/2014/main" val="3754981159"/>
+                    </a:ext>
+                  </a:extLst>
+                </a:gridCol>
+                <a:gridCol w="1368568">
+                  <a:extLst>
+                    <a:ext uri="{9D8B030D-6E8A-4147-A177-3AD203B41FA5}">
+                      <a16:colId xmlns:a16="http://schemas.microsoft.com/office/drawing/2014/main" val="3021474219"/>
+                    </a:ext>
+                  </a:extLst>
+                </a:gridCol>
+                <a:gridCol w="1368568">
+                  <a:extLst>
+                    <a:ext uri="{9D8B030D-6E8A-4147-A177-3AD203B41FA5}">
+                      <a16:colId xmlns:a16="http://schemas.microsoft.com/office/drawing/2014/main" val="3981111130"/>
+                    </a:ext>
+                  </a:extLst>
+                </a:gridCol>
+                <a:gridCol w="1368568">
+                  <a:extLst>
+                    <a:ext uri="{9D8B030D-6E8A-4147-A177-3AD203B41FA5}">
+                      <a16:colId xmlns:a16="http://schemas.microsoft.com/office/drawing/2014/main" val="1449055563"/>
+                    </a:ext>
+                  </a:extLst>
+                </a:gridCol>
+              </a:tblGrid>
+              <a:tr h="370840">
+                <a:tc gridSpan="4">
+                  <a:txBody>
+                    <a:bodyPr/>
+                    <a:lstStyle/>
+                    <a:p>
+                      <a:pPr algn="ctr"/>
+                      <a:r>
+                        <a:rPr lang="en-US" b="1" dirty="0"/>
+                        <a:t>Users</a:t>
+                      </a:r>
+                    </a:p>
+                  </a:txBody>
+                  <a:tcPr/>
+                </a:tc>
+                <a:tc hMerge="1">
+                  <a:txBody>
+                    <a:bodyPr/>
+                    <a:lstStyle/>
+                    <a:p>
+                      <a:pPr algn="ctr"/>
+                      <a:endParaRPr lang="en-US" b="1" dirty="0"/>
+                    </a:p>
+                  </a:txBody>
+                  <a:tcPr/>
+                </a:tc>
+                <a:tc hMerge="1">
+                  <a:txBody>
+                    <a:bodyPr/>
+                    <a:lstStyle/>
+                    <a:p>
+                      <a:pPr algn="ctr"/>
+                      <a:endParaRPr lang="en-US" b="1" dirty="0"/>
+                    </a:p>
+                  </a:txBody>
+                  <a:tcPr/>
+                </a:tc>
+                <a:tc hMerge="1">
+                  <a:txBody>
+                    <a:bodyPr/>
+                    <a:lstStyle/>
+                    <a:p>
+                      <a:pPr algn="ctr"/>
+                      <a:endParaRPr lang="en-US" b="1" dirty="0"/>
+                    </a:p>
+                  </a:txBody>
+                  <a:tcPr/>
+                </a:tc>
+                <a:extLst>
+                  <a:ext uri="{0D108BD9-81ED-4DB2-BD59-A6C34878D82A}">
+                    <a16:rowId xmlns:a16="http://schemas.microsoft.com/office/drawing/2014/main" val="1090423420"/>
+                  </a:ext>
+                </a:extLst>
+              </a:tr>
+              <a:tr h="370840">
+                <a:tc>
+                  <a:txBody>
+                    <a:bodyPr/>
+                    <a:lstStyle/>
+                    <a:p>
+                      <a:pPr algn="ctr"/>
+                      <a:r>
+                        <a:rPr lang="en-US" b="1" dirty="0"/>
+                        <a:t>Id</a:t>
+                      </a:r>
+                    </a:p>
+                  </a:txBody>
+                  <a:tcPr/>
+                </a:tc>
+                <a:tc>
+                  <a:txBody>
+                    <a:bodyPr/>
+                    <a:lstStyle/>
+                    <a:p>
+                      <a:pPr algn="ctr"/>
+                      <a:r>
+                        <a:rPr lang="en-US" b="1" dirty="0"/>
+                        <a:t>Phone</a:t>
+                      </a:r>
+                    </a:p>
+                  </a:txBody>
+                  <a:tcPr/>
+                </a:tc>
+                <a:tc>
+                  <a:txBody>
+                    <a:bodyPr/>
+                    <a:lstStyle/>
+                    <a:p>
+                      <a:pPr algn="ctr"/>
+                      <a:r>
+                        <a:rPr lang="en-US" b="1" dirty="0"/>
+                        <a:t>roll</a:t>
+                      </a:r>
+                    </a:p>
+                  </a:txBody>
+                  <a:tcPr/>
+                </a:tc>
+                <a:tc>
+                  <a:txBody>
+                    <a:bodyPr/>
+                    <a:lstStyle/>
+                    <a:p>
+                      <a:pPr marL="0" marR="0" lvl="0" indent="0" algn="ctr" defTabSz="914400" rtl="0" eaLnBrk="1" fontAlgn="auto" latinLnBrk="0" hangingPunct="1">
+                        <a:lnSpc>
+                          <a:spcPct val="100000"/>
+                        </a:lnSpc>
+                        <a:spcBef>
+                          <a:spcPts val="0"/>
+                        </a:spcBef>
+                        <a:spcAft>
+                          <a:spcPts val="0"/>
+                        </a:spcAft>
+                        <a:buClrTx/>
+                        <a:buSzTx/>
+                        <a:buFontTx/>
+                        <a:buNone/>
+                        <a:tabLst/>
+                        <a:defRPr/>
+                      </a:pPr>
+                      <a:r>
+                        <a:rPr lang="en-US" b="1" dirty="0">
+                          <a:solidFill>
+                            <a:srgbClr val="FF0000"/>
+                          </a:solidFill>
+                        </a:rPr>
+                        <a:t>exam_code</a:t>
+                      </a:r>
+                    </a:p>
+                  </a:txBody>
+                  <a:tcPr/>
+                </a:tc>
+                <a:extLst>
+                  <a:ext uri="{0D108BD9-81ED-4DB2-BD59-A6C34878D82A}">
+                    <a16:rowId xmlns:a16="http://schemas.microsoft.com/office/drawing/2014/main" val="1660160347"/>
+                  </a:ext>
+                </a:extLst>
+              </a:tr>
+              <a:tr h="370840">
+                <a:tc>
+                  <a:txBody>
+                    <a:bodyPr/>
+                    <a:lstStyle/>
+                    <a:p>
+                      <a:pPr algn="ctr"/>
+                      <a:r>
+                        <a:rPr lang="en-US" dirty="0"/>
+                        <a:t>Integer</a:t>
+                      </a:r>
+                    </a:p>
+                  </a:txBody>
+                  <a:tcPr/>
+                </a:tc>
+                <a:tc>
+                  <a:txBody>
+                    <a:bodyPr/>
+                    <a:lstStyle/>
+                    <a:p>
+                      <a:pPr algn="ctr"/>
+                      <a:r>
+                        <a:rPr lang="en-US" dirty="0"/>
+                        <a:t>Integer</a:t>
+                      </a:r>
+                    </a:p>
+                  </a:txBody>
+                  <a:tcPr/>
+                </a:tc>
+                <a:tc>
+                  <a:txBody>
+                    <a:bodyPr/>
+                    <a:lstStyle/>
+                    <a:p>
+                      <a:pPr algn="ctr"/>
+                      <a:r>
+                        <a:rPr lang="en-US" dirty="0"/>
+                        <a:t>integer</a:t>
+                      </a:r>
+                    </a:p>
+                  </a:txBody>
+                  <a:tcPr/>
+                </a:tc>
+                <a:tc>
+                  <a:txBody>
+                    <a:bodyPr/>
+                    <a:lstStyle/>
+                    <a:p>
+                      <a:pPr algn="ctr"/>
+                      <a:r>
+                        <a:rPr lang="en-US" dirty="0"/>
+                        <a:t>integer</a:t>
+                      </a:r>
+                    </a:p>
+                  </a:txBody>
+                  <a:tcPr/>
+                </a:tc>
+                <a:extLst>
+                  <a:ext uri="{0D108BD9-81ED-4DB2-BD59-A6C34878D82A}">
+                    <a16:rowId xmlns:a16="http://schemas.microsoft.com/office/drawing/2014/main" val="3642843113"/>
+                  </a:ext>
+                </a:extLst>
+              </a:tr>
+            </a:tbl>
+          </a:graphicData>
+        </a:graphic>
+      </p:graphicFrame>
+    </p:spTree>
+    <p:extLst>
+      <p:ext uri="{BB962C8B-B14F-4D97-AF65-F5344CB8AC3E}">
+        <p14:creationId xmlns:p14="http://schemas.microsoft.com/office/powerpoint/2010/main" val="3818192969"/>
       </p:ext>
     </p:extLst>
   </p:cSld>

--- a/projects/brems/Overview.pptx
+++ b/projects/brems/Overview.pptx
@@ -9,7 +9,9 @@
     <p:sldId id="257" r:id="rId3"/>
     <p:sldId id="258" r:id="rId4"/>
     <p:sldId id="260" r:id="rId5"/>
-    <p:sldId id="259" r:id="rId6"/>
+    <p:sldId id="262" r:id="rId6"/>
+    <p:sldId id="261" r:id="rId7"/>
+    <p:sldId id="259" r:id="rId8"/>
   </p:sldIdLst>
   <p:sldSz cx="12192000" cy="6858000"/>
   <p:notesSz cx="6858000" cy="9144000"/>
@@ -263,7 +265,7 @@
           <a:p>
             <a:fld id="{E55682CF-FAD7-4BD3-8747-1696A45B0684}" type="datetimeFigureOut">
               <a:rPr lang="en-US" smtClean="0"/>
-              <a:t>1/18/2026</a:t>
+              <a:t>1/19/2026</a:t>
             </a:fld>
             <a:endParaRPr lang="en-US"/>
           </a:p>
@@ -461,7 +463,7 @@
           <a:p>
             <a:fld id="{E55682CF-FAD7-4BD3-8747-1696A45B0684}" type="datetimeFigureOut">
               <a:rPr lang="en-US" smtClean="0"/>
-              <a:t>1/18/2026</a:t>
+              <a:t>1/19/2026</a:t>
             </a:fld>
             <a:endParaRPr lang="en-US"/>
           </a:p>
@@ -669,7 +671,7 @@
           <a:p>
             <a:fld id="{E55682CF-FAD7-4BD3-8747-1696A45B0684}" type="datetimeFigureOut">
               <a:rPr lang="en-US" smtClean="0"/>
-              <a:t>1/18/2026</a:t>
+              <a:t>1/19/2026</a:t>
             </a:fld>
             <a:endParaRPr lang="en-US"/>
           </a:p>
@@ -867,7 +869,7 @@
           <a:p>
             <a:fld id="{E55682CF-FAD7-4BD3-8747-1696A45B0684}" type="datetimeFigureOut">
               <a:rPr lang="en-US" smtClean="0"/>
-              <a:t>1/18/2026</a:t>
+              <a:t>1/19/2026</a:t>
             </a:fld>
             <a:endParaRPr lang="en-US"/>
           </a:p>
@@ -1142,7 +1144,7 @@
           <a:p>
             <a:fld id="{E55682CF-FAD7-4BD3-8747-1696A45B0684}" type="datetimeFigureOut">
               <a:rPr lang="en-US" smtClean="0"/>
-              <a:t>1/18/2026</a:t>
+              <a:t>1/19/2026</a:t>
             </a:fld>
             <a:endParaRPr lang="en-US"/>
           </a:p>
@@ -1407,7 +1409,7 @@
           <a:p>
             <a:fld id="{E55682CF-FAD7-4BD3-8747-1696A45B0684}" type="datetimeFigureOut">
               <a:rPr lang="en-US" smtClean="0"/>
-              <a:t>1/18/2026</a:t>
+              <a:t>1/19/2026</a:t>
             </a:fld>
             <a:endParaRPr lang="en-US"/>
           </a:p>
@@ -1819,7 +1821,7 @@
           <a:p>
             <a:fld id="{E55682CF-FAD7-4BD3-8747-1696A45B0684}" type="datetimeFigureOut">
               <a:rPr lang="en-US" smtClean="0"/>
-              <a:t>1/18/2026</a:t>
+              <a:t>1/19/2026</a:t>
             </a:fld>
             <a:endParaRPr lang="en-US"/>
           </a:p>
@@ -1960,7 +1962,7 @@
           <a:p>
             <a:fld id="{E55682CF-FAD7-4BD3-8747-1696A45B0684}" type="datetimeFigureOut">
               <a:rPr lang="en-US" smtClean="0"/>
-              <a:t>1/18/2026</a:t>
+              <a:t>1/19/2026</a:t>
             </a:fld>
             <a:endParaRPr lang="en-US"/>
           </a:p>
@@ -2073,7 +2075,7 @@
           <a:p>
             <a:fld id="{E55682CF-FAD7-4BD3-8747-1696A45B0684}" type="datetimeFigureOut">
               <a:rPr lang="en-US" smtClean="0"/>
-              <a:t>1/18/2026</a:t>
+              <a:t>1/19/2026</a:t>
             </a:fld>
             <a:endParaRPr lang="en-US"/>
           </a:p>
@@ -2384,7 +2386,7 @@
           <a:p>
             <a:fld id="{E55682CF-FAD7-4BD3-8747-1696A45B0684}" type="datetimeFigureOut">
               <a:rPr lang="en-US" smtClean="0"/>
-              <a:t>1/18/2026</a:t>
+              <a:t>1/19/2026</a:t>
             </a:fld>
             <a:endParaRPr lang="en-US"/>
           </a:p>
@@ -2672,7 +2674,7 @@
           <a:p>
             <a:fld id="{E55682CF-FAD7-4BD3-8747-1696A45B0684}" type="datetimeFigureOut">
               <a:rPr lang="en-US" smtClean="0"/>
-              <a:t>1/18/2026</a:t>
+              <a:t>1/19/2026</a:t>
             </a:fld>
             <a:endParaRPr lang="en-US"/>
           </a:p>
@@ -2913,7 +2915,7 @@
           <a:p>
             <a:fld id="{E55682CF-FAD7-4BD3-8747-1696A45B0684}" type="datetimeFigureOut">
               <a:rPr lang="en-US" smtClean="0"/>
-              <a:t>1/18/2026</a:t>
+              <a:t>1/19/2026</a:t>
             </a:fld>
             <a:endParaRPr lang="en-US"/>
           </a:p>
@@ -3675,32 +3677,772 @@
         </p:nvSpPr>
         <p:spPr>
           <a:xfrm>
-            <a:off x="838201" y="365125"/>
-            <a:ext cx="4675496" cy="562923"/>
+            <a:off x="4771551" y="146762"/>
+            <a:ext cx="2648898" cy="318924"/>
           </a:xfrm>
         </p:spPr>
         <p:txBody>
           <a:bodyPr>
-            <a:normAutofit/>
+            <a:normAutofit fontScale="90000"/>
           </a:bodyPr>
           <a:lstStyle/>
           <a:p>
-            <a:r>
-              <a:rPr lang="en-US" sz="2400" dirty="0">
+            <a:pPr algn="ctr"/>
+            <a:r>
+              <a:rPr lang="en-US" sz="1400" b="1" dirty="0">
                 <a:latin typeface="Inter 18pt" panose="02000503000000020004" pitchFamily="2" charset="0"/>
                 <a:ea typeface="Inter 18pt" panose="02000503000000020004" pitchFamily="2" charset="0"/>
               </a:rPr>
-              <a:t>Authentication System: (Admin)</a:t>
-            </a:r>
-          </a:p>
-        </p:txBody>
-      </p:sp>
-      <p:sp>
-        <p:nvSpPr>
-          <p:cNvPr id="4" name="TextBox 3">
-            <a:extLst>
-              <a:ext uri="{FF2B5EF4-FFF2-40B4-BE49-F238E27FC236}">
-                <a16:creationId xmlns:a16="http://schemas.microsoft.com/office/drawing/2014/main" id="{26016E83-5E27-4687-BAAD-31A2F7354F1F}"/>
+              <a:t>High Level Overview</a:t>
+            </a:r>
+            <a:br>
+              <a:rPr lang="en-US" sz="1400" b="1" dirty="0">
+                <a:latin typeface="Inter 18pt" panose="02000503000000020004" pitchFamily="2" charset="0"/>
+                <a:ea typeface="Inter 18pt" panose="02000503000000020004" pitchFamily="2" charset="0"/>
+              </a:rPr>
+            </a:br>
+            <a:endParaRPr lang="en-US" sz="1400" b="1" dirty="0">
+              <a:latin typeface="Inter 18pt" panose="02000503000000020004" pitchFamily="2" charset="0"/>
+              <a:ea typeface="Inter 18pt" panose="02000503000000020004" pitchFamily="2" charset="0"/>
+            </a:endParaRPr>
+          </a:p>
+        </p:txBody>
+      </p:sp>
+      <p:cxnSp>
+        <p:nvCxnSpPr>
+          <p:cNvPr id="7" name="Straight Arrow Connector 6">
+            <a:extLst>
+              <a:ext uri="{FF2B5EF4-FFF2-40B4-BE49-F238E27FC236}">
+                <a16:creationId xmlns:a16="http://schemas.microsoft.com/office/drawing/2014/main" id="{C82E05F4-2378-4A9E-B1EE-E89D50CF16AF}"/>
+              </a:ext>
+            </a:extLst>
+          </p:cNvPr>
+          <p:cNvCxnSpPr/>
+          <p:nvPr/>
+        </p:nvCxnSpPr>
+        <p:spPr>
+          <a:xfrm>
+            <a:off x="1409700" y="653011"/>
+            <a:ext cx="393700" cy="0"/>
+          </a:xfrm>
+          <a:prstGeom prst="straightConnector1">
+            <a:avLst/>
+          </a:prstGeom>
+          <a:ln>
+            <a:tailEnd type="triangle"/>
+          </a:ln>
+        </p:spPr>
+        <p:style>
+          <a:lnRef idx="1">
+            <a:schemeClr val="accent1"/>
+          </a:lnRef>
+          <a:fillRef idx="0">
+            <a:schemeClr val="accent1"/>
+          </a:fillRef>
+          <a:effectRef idx="0">
+            <a:schemeClr val="accent1"/>
+          </a:effectRef>
+          <a:fontRef idx="minor">
+            <a:schemeClr val="tx1"/>
+          </a:fontRef>
+        </p:style>
+      </p:cxnSp>
+      <p:pic>
+        <p:nvPicPr>
+          <p:cNvPr id="9" name="Graphic 8" descr="Universal Access">
+            <a:extLst>
+              <a:ext uri="{FF2B5EF4-FFF2-40B4-BE49-F238E27FC236}">
+                <a16:creationId xmlns:a16="http://schemas.microsoft.com/office/drawing/2014/main" id="{8B414DEE-C790-4B2E-BF0E-B68943B8D707}"/>
+              </a:ext>
+            </a:extLst>
+          </p:cNvPr>
+          <p:cNvPicPr>
+            <a:picLocks noChangeAspect="1"/>
+          </p:cNvPicPr>
+          <p:nvPr/>
+        </p:nvPicPr>
+        <p:blipFill>
+          <a:blip r:embed="rId2">
+            <a:extLst>
+              <a:ext uri="{28A0092B-C50C-407E-A947-70E740481C1C}">
+                <a14:useLocalDpi xmlns:a14="http://schemas.microsoft.com/office/drawing/2010/main" val="0"/>
+              </a:ext>
+              <a:ext uri="{96DAC541-7B7A-43D3-8B79-37D633B846F1}">
+                <asvg:svgBlip xmlns:asvg="http://schemas.microsoft.com/office/drawing/2016/SVG/main" r:embed="rId3"/>
+              </a:ext>
+            </a:extLst>
+          </a:blip>
+          <a:stretch>
+            <a:fillRect/>
+          </a:stretch>
+        </p:blipFill>
+        <p:spPr>
+          <a:xfrm>
+            <a:off x="554276" y="257560"/>
+            <a:ext cx="808712" cy="808712"/>
+          </a:xfrm>
+          <a:prstGeom prst="rect">
+            <a:avLst/>
+          </a:prstGeom>
+        </p:spPr>
+      </p:pic>
+      <p:sp>
+        <p:nvSpPr>
+          <p:cNvPr id="10" name="Rectangle 9">
+            <a:extLst>
+              <a:ext uri="{FF2B5EF4-FFF2-40B4-BE49-F238E27FC236}">
+                <a16:creationId xmlns:a16="http://schemas.microsoft.com/office/drawing/2014/main" id="{700426A9-20C5-48BF-8F3C-951FEC285D7E}"/>
+              </a:ext>
+            </a:extLst>
+          </p:cNvPr>
+          <p:cNvSpPr/>
+          <p:nvPr/>
+        </p:nvSpPr>
+        <p:spPr>
+          <a:xfrm>
+            <a:off x="1856184" y="473307"/>
+            <a:ext cx="914400" cy="318924"/>
+          </a:xfrm>
+          <a:prstGeom prst="rect">
+            <a:avLst/>
+          </a:prstGeom>
+        </p:spPr>
+        <p:style>
+          <a:lnRef idx="1">
+            <a:schemeClr val="accent6"/>
+          </a:lnRef>
+          <a:fillRef idx="2">
+            <a:schemeClr val="accent6"/>
+          </a:fillRef>
+          <a:effectRef idx="1">
+            <a:schemeClr val="accent6"/>
+          </a:effectRef>
+          <a:fontRef idx="minor">
+            <a:schemeClr val="dk1"/>
+          </a:fontRef>
+        </p:style>
+        <p:txBody>
+          <a:bodyPr rtlCol="0" anchor="ctr"/>
+          <a:lstStyle/>
+          <a:p>
+            <a:pPr algn="ctr"/>
+            <a:r>
+              <a:rPr lang="en-US" sz="900" dirty="0"/>
+              <a:t>Authentication</a:t>
+            </a:r>
+          </a:p>
+        </p:txBody>
+      </p:sp>
+      <p:sp>
+        <p:nvSpPr>
+          <p:cNvPr id="11" name="Rectangle 10">
+            <a:extLst>
+              <a:ext uri="{FF2B5EF4-FFF2-40B4-BE49-F238E27FC236}">
+                <a16:creationId xmlns:a16="http://schemas.microsoft.com/office/drawing/2014/main" id="{FFBECDF7-AFF0-4836-A27F-0DE433470992}"/>
+              </a:ext>
+            </a:extLst>
+          </p:cNvPr>
+          <p:cNvSpPr/>
+          <p:nvPr/>
+        </p:nvSpPr>
+        <p:spPr>
+          <a:xfrm>
+            <a:off x="3263780" y="473307"/>
+            <a:ext cx="914400" cy="318924"/>
+          </a:xfrm>
+          <a:prstGeom prst="rect">
+            <a:avLst/>
+          </a:prstGeom>
+        </p:spPr>
+        <p:style>
+          <a:lnRef idx="1">
+            <a:schemeClr val="accent6"/>
+          </a:lnRef>
+          <a:fillRef idx="2">
+            <a:schemeClr val="accent6"/>
+          </a:fillRef>
+          <a:effectRef idx="1">
+            <a:schemeClr val="accent6"/>
+          </a:effectRef>
+          <a:fontRef idx="minor">
+            <a:schemeClr val="dk1"/>
+          </a:fontRef>
+        </p:style>
+        <p:txBody>
+          <a:bodyPr rtlCol="0" anchor="ctr"/>
+          <a:lstStyle/>
+          <a:p>
+            <a:pPr algn="ctr"/>
+            <a:r>
+              <a:rPr lang="en-US" sz="900" dirty="0"/>
+              <a:t>Type English</a:t>
+            </a:r>
+          </a:p>
+        </p:txBody>
+      </p:sp>
+      <p:cxnSp>
+        <p:nvCxnSpPr>
+          <p:cNvPr id="12" name="Straight Arrow Connector 11">
+            <a:extLst>
+              <a:ext uri="{FF2B5EF4-FFF2-40B4-BE49-F238E27FC236}">
+                <a16:creationId xmlns:a16="http://schemas.microsoft.com/office/drawing/2014/main" id="{963011D7-245A-49A4-A12F-E36CCBCFE4F5}"/>
+              </a:ext>
+            </a:extLst>
+          </p:cNvPr>
+          <p:cNvCxnSpPr/>
+          <p:nvPr/>
+        </p:nvCxnSpPr>
+        <p:spPr>
+          <a:xfrm>
+            <a:off x="2849880" y="632365"/>
+            <a:ext cx="393700" cy="0"/>
+          </a:xfrm>
+          <a:prstGeom prst="straightConnector1">
+            <a:avLst/>
+          </a:prstGeom>
+          <a:ln>
+            <a:tailEnd type="triangle"/>
+          </a:ln>
+        </p:spPr>
+        <p:style>
+          <a:lnRef idx="1">
+            <a:schemeClr val="accent1"/>
+          </a:lnRef>
+          <a:fillRef idx="0">
+            <a:schemeClr val="accent1"/>
+          </a:fillRef>
+          <a:effectRef idx="0">
+            <a:schemeClr val="accent1"/>
+          </a:effectRef>
+          <a:fontRef idx="minor">
+            <a:schemeClr val="tx1"/>
+          </a:fontRef>
+        </p:style>
+      </p:cxnSp>
+      <p:sp>
+        <p:nvSpPr>
+          <p:cNvPr id="13" name="Rectangle 12">
+            <a:extLst>
+              <a:ext uri="{FF2B5EF4-FFF2-40B4-BE49-F238E27FC236}">
+                <a16:creationId xmlns:a16="http://schemas.microsoft.com/office/drawing/2014/main" id="{8889237F-7BA4-4C6D-90B3-0B0D9BE6EED7}"/>
+              </a:ext>
+            </a:extLst>
+          </p:cNvPr>
+          <p:cNvSpPr/>
+          <p:nvPr/>
+        </p:nvSpPr>
+        <p:spPr>
+          <a:xfrm>
+            <a:off x="4678560" y="465188"/>
+            <a:ext cx="914400" cy="318924"/>
+          </a:xfrm>
+          <a:prstGeom prst="rect">
+            <a:avLst/>
+          </a:prstGeom>
+        </p:spPr>
+        <p:style>
+          <a:lnRef idx="1">
+            <a:schemeClr val="accent1"/>
+          </a:lnRef>
+          <a:fillRef idx="3">
+            <a:schemeClr val="accent1"/>
+          </a:fillRef>
+          <a:effectRef idx="2">
+            <a:schemeClr val="accent1"/>
+          </a:effectRef>
+          <a:fontRef idx="minor">
+            <a:schemeClr val="lt1"/>
+          </a:fontRef>
+        </p:style>
+        <p:txBody>
+          <a:bodyPr rtlCol="0" anchor="ctr"/>
+          <a:lstStyle/>
+          <a:p>
+            <a:pPr algn="ctr"/>
+            <a:r>
+              <a:rPr lang="en-US" sz="900" dirty="0"/>
+              <a:t>Type Engine</a:t>
+            </a:r>
+          </a:p>
+        </p:txBody>
+      </p:sp>
+      <p:cxnSp>
+        <p:nvCxnSpPr>
+          <p:cNvPr id="14" name="Straight Arrow Connector 13">
+            <a:extLst>
+              <a:ext uri="{FF2B5EF4-FFF2-40B4-BE49-F238E27FC236}">
+                <a16:creationId xmlns:a16="http://schemas.microsoft.com/office/drawing/2014/main" id="{7D95D4C9-C643-4900-BAAA-FFCFBE91B0C0}"/>
+              </a:ext>
+            </a:extLst>
+          </p:cNvPr>
+          <p:cNvCxnSpPr/>
+          <p:nvPr/>
+        </p:nvCxnSpPr>
+        <p:spPr>
+          <a:xfrm>
+            <a:off x="4231520" y="624650"/>
+            <a:ext cx="393700" cy="0"/>
+          </a:xfrm>
+          <a:prstGeom prst="straightConnector1">
+            <a:avLst/>
+          </a:prstGeom>
+          <a:ln>
+            <a:tailEnd type="triangle"/>
+          </a:ln>
+        </p:spPr>
+        <p:style>
+          <a:lnRef idx="1">
+            <a:schemeClr val="accent1"/>
+          </a:lnRef>
+          <a:fillRef idx="0">
+            <a:schemeClr val="accent1"/>
+          </a:fillRef>
+          <a:effectRef idx="0">
+            <a:schemeClr val="accent1"/>
+          </a:effectRef>
+          <a:fontRef idx="minor">
+            <a:schemeClr val="tx1"/>
+          </a:fontRef>
+        </p:style>
+      </p:cxnSp>
+      <p:sp>
+        <p:nvSpPr>
+          <p:cNvPr id="15" name="Rectangle 14">
+            <a:extLst>
+              <a:ext uri="{FF2B5EF4-FFF2-40B4-BE49-F238E27FC236}">
+                <a16:creationId xmlns:a16="http://schemas.microsoft.com/office/drawing/2014/main" id="{8DCD7924-A40E-4CC6-A113-4C1869C0D7B1}"/>
+              </a:ext>
+            </a:extLst>
+          </p:cNvPr>
+          <p:cNvSpPr/>
+          <p:nvPr/>
+        </p:nvSpPr>
+        <p:spPr>
+          <a:xfrm>
+            <a:off x="6010275" y="408038"/>
+            <a:ext cx="914400" cy="430162"/>
+          </a:xfrm>
+          <a:prstGeom prst="rect">
+            <a:avLst/>
+          </a:prstGeom>
+        </p:spPr>
+        <p:style>
+          <a:lnRef idx="1">
+            <a:schemeClr val="accent4"/>
+          </a:lnRef>
+          <a:fillRef idx="2">
+            <a:schemeClr val="accent4"/>
+          </a:fillRef>
+          <a:effectRef idx="1">
+            <a:schemeClr val="accent4"/>
+          </a:effectRef>
+          <a:fontRef idx="minor">
+            <a:schemeClr val="dk1"/>
+          </a:fontRef>
+        </p:style>
+        <p:txBody>
+          <a:bodyPr rtlCol="0" anchor="t"/>
+          <a:lstStyle/>
+          <a:p>
+            <a:pPr algn="ctr"/>
+            <a:r>
+              <a:rPr lang="en-US" sz="1100" dirty="0"/>
+              <a:t>Save result to DB </a:t>
+            </a:r>
+          </a:p>
+        </p:txBody>
+      </p:sp>
+      <p:cxnSp>
+        <p:nvCxnSpPr>
+          <p:cNvPr id="16" name="Straight Arrow Connector 15">
+            <a:extLst>
+              <a:ext uri="{FF2B5EF4-FFF2-40B4-BE49-F238E27FC236}">
+                <a16:creationId xmlns:a16="http://schemas.microsoft.com/office/drawing/2014/main" id="{F577FAB0-FB09-423E-B425-B70B95BDA84E}"/>
+              </a:ext>
+            </a:extLst>
+          </p:cNvPr>
+          <p:cNvCxnSpPr/>
+          <p:nvPr/>
+        </p:nvCxnSpPr>
+        <p:spPr>
+          <a:xfrm>
+            <a:off x="5616575" y="609315"/>
+            <a:ext cx="393700" cy="0"/>
+          </a:xfrm>
+          <a:prstGeom prst="straightConnector1">
+            <a:avLst/>
+          </a:prstGeom>
+          <a:ln>
+            <a:tailEnd type="triangle"/>
+          </a:ln>
+        </p:spPr>
+        <p:style>
+          <a:lnRef idx="1">
+            <a:schemeClr val="accent1"/>
+          </a:lnRef>
+          <a:fillRef idx="0">
+            <a:schemeClr val="accent1"/>
+          </a:fillRef>
+          <a:effectRef idx="0">
+            <a:schemeClr val="accent1"/>
+          </a:effectRef>
+          <a:fontRef idx="minor">
+            <a:schemeClr val="tx1"/>
+          </a:fontRef>
+        </p:style>
+      </p:cxnSp>
+      <p:sp>
+        <p:nvSpPr>
+          <p:cNvPr id="18" name="Rectangle 17">
+            <a:extLst>
+              <a:ext uri="{FF2B5EF4-FFF2-40B4-BE49-F238E27FC236}">
+                <a16:creationId xmlns:a16="http://schemas.microsoft.com/office/drawing/2014/main" id="{1482BDAC-7863-450B-B22A-47EC6CEF7274}"/>
+              </a:ext>
+            </a:extLst>
+          </p:cNvPr>
+          <p:cNvSpPr/>
+          <p:nvPr/>
+        </p:nvSpPr>
+        <p:spPr>
+          <a:xfrm>
+            <a:off x="7427475" y="463657"/>
+            <a:ext cx="914400" cy="318924"/>
+          </a:xfrm>
+          <a:prstGeom prst="rect">
+            <a:avLst/>
+          </a:prstGeom>
+        </p:spPr>
+        <p:style>
+          <a:lnRef idx="1">
+            <a:schemeClr val="accent6"/>
+          </a:lnRef>
+          <a:fillRef idx="2">
+            <a:schemeClr val="accent6"/>
+          </a:fillRef>
+          <a:effectRef idx="1">
+            <a:schemeClr val="accent6"/>
+          </a:effectRef>
+          <a:fontRef idx="minor">
+            <a:schemeClr val="dk1"/>
+          </a:fontRef>
+        </p:style>
+        <p:txBody>
+          <a:bodyPr rtlCol="0" anchor="ctr"/>
+          <a:lstStyle/>
+          <a:p>
+            <a:pPr algn="ctr"/>
+            <a:r>
+              <a:rPr lang="en-US" sz="900" dirty="0"/>
+              <a:t>Type Bangla</a:t>
+            </a:r>
+          </a:p>
+        </p:txBody>
+      </p:sp>
+      <p:sp>
+        <p:nvSpPr>
+          <p:cNvPr id="19" name="Rectangle 18">
+            <a:extLst>
+              <a:ext uri="{FF2B5EF4-FFF2-40B4-BE49-F238E27FC236}">
+                <a16:creationId xmlns:a16="http://schemas.microsoft.com/office/drawing/2014/main" id="{B7C21433-26B8-44FC-BE25-8915A76033FB}"/>
+              </a:ext>
+            </a:extLst>
+          </p:cNvPr>
+          <p:cNvSpPr/>
+          <p:nvPr/>
+        </p:nvSpPr>
+        <p:spPr>
+          <a:xfrm>
+            <a:off x="8844675" y="449853"/>
+            <a:ext cx="914400" cy="318924"/>
+          </a:xfrm>
+          <a:prstGeom prst="rect">
+            <a:avLst/>
+          </a:prstGeom>
+        </p:spPr>
+        <p:style>
+          <a:lnRef idx="1">
+            <a:schemeClr val="accent1"/>
+          </a:lnRef>
+          <a:fillRef idx="3">
+            <a:schemeClr val="accent1"/>
+          </a:fillRef>
+          <a:effectRef idx="2">
+            <a:schemeClr val="accent1"/>
+          </a:effectRef>
+          <a:fontRef idx="minor">
+            <a:schemeClr val="lt1"/>
+          </a:fontRef>
+        </p:style>
+        <p:txBody>
+          <a:bodyPr rtlCol="0" anchor="ctr"/>
+          <a:lstStyle/>
+          <a:p>
+            <a:pPr algn="ctr"/>
+            <a:r>
+              <a:rPr lang="en-US" sz="900" dirty="0"/>
+              <a:t>Type Engine</a:t>
+            </a:r>
+          </a:p>
+        </p:txBody>
+      </p:sp>
+      <p:sp>
+        <p:nvSpPr>
+          <p:cNvPr id="20" name="Rectangle 19">
+            <a:extLst>
+              <a:ext uri="{FF2B5EF4-FFF2-40B4-BE49-F238E27FC236}">
+                <a16:creationId xmlns:a16="http://schemas.microsoft.com/office/drawing/2014/main" id="{20103778-BC33-41C2-9285-E304CE535CCF}"/>
+              </a:ext>
+            </a:extLst>
+          </p:cNvPr>
+          <p:cNvSpPr/>
+          <p:nvPr/>
+        </p:nvSpPr>
+        <p:spPr>
+          <a:xfrm>
+            <a:off x="10116741" y="394234"/>
+            <a:ext cx="914400" cy="430162"/>
+          </a:xfrm>
+          <a:prstGeom prst="rect">
+            <a:avLst/>
+          </a:prstGeom>
+        </p:spPr>
+        <p:style>
+          <a:lnRef idx="1">
+            <a:schemeClr val="accent4"/>
+          </a:lnRef>
+          <a:fillRef idx="2">
+            <a:schemeClr val="accent4"/>
+          </a:fillRef>
+          <a:effectRef idx="1">
+            <a:schemeClr val="accent4"/>
+          </a:effectRef>
+          <a:fontRef idx="minor">
+            <a:schemeClr val="dk1"/>
+          </a:fontRef>
+        </p:style>
+        <p:txBody>
+          <a:bodyPr rtlCol="0" anchor="t"/>
+          <a:lstStyle/>
+          <a:p>
+            <a:pPr algn="ctr"/>
+            <a:r>
+              <a:rPr lang="en-US" sz="1100" dirty="0"/>
+              <a:t>Save result to DB </a:t>
+            </a:r>
+          </a:p>
+        </p:txBody>
+      </p:sp>
+      <p:sp>
+        <p:nvSpPr>
+          <p:cNvPr id="21" name="Rectangle 20">
+            <a:extLst>
+              <a:ext uri="{FF2B5EF4-FFF2-40B4-BE49-F238E27FC236}">
+                <a16:creationId xmlns:a16="http://schemas.microsoft.com/office/drawing/2014/main" id="{6F012917-FA44-444F-8912-84EFA7815B35}"/>
+              </a:ext>
+            </a:extLst>
+          </p:cNvPr>
+          <p:cNvSpPr/>
+          <p:nvPr/>
+        </p:nvSpPr>
+        <p:spPr>
+          <a:xfrm>
+            <a:off x="10116741" y="1300753"/>
+            <a:ext cx="914400" cy="318924"/>
+          </a:xfrm>
+          <a:prstGeom prst="rect">
+            <a:avLst/>
+          </a:prstGeom>
+        </p:spPr>
+        <p:style>
+          <a:lnRef idx="1">
+            <a:schemeClr val="accent1"/>
+          </a:lnRef>
+          <a:fillRef idx="3">
+            <a:schemeClr val="accent1"/>
+          </a:fillRef>
+          <a:effectRef idx="2">
+            <a:schemeClr val="accent1"/>
+          </a:effectRef>
+          <a:fontRef idx="minor">
+            <a:schemeClr val="lt1"/>
+          </a:fontRef>
+        </p:style>
+        <p:txBody>
+          <a:bodyPr rtlCol="0" anchor="ctr"/>
+          <a:lstStyle/>
+          <a:p>
+            <a:pPr algn="ctr"/>
+            <a:r>
+              <a:rPr lang="en-US" sz="900" dirty="0"/>
+              <a:t>Logout</a:t>
+            </a:r>
+          </a:p>
+        </p:txBody>
+      </p:sp>
+      <p:cxnSp>
+        <p:nvCxnSpPr>
+          <p:cNvPr id="22" name="Straight Arrow Connector 21">
+            <a:extLst>
+              <a:ext uri="{FF2B5EF4-FFF2-40B4-BE49-F238E27FC236}">
+                <a16:creationId xmlns:a16="http://schemas.microsoft.com/office/drawing/2014/main" id="{68F1C1DB-4409-4436-B158-BB2FDA9AAE36}"/>
+              </a:ext>
+            </a:extLst>
+          </p:cNvPr>
+          <p:cNvCxnSpPr/>
+          <p:nvPr/>
+        </p:nvCxnSpPr>
+        <p:spPr>
+          <a:xfrm>
+            <a:off x="6991350" y="624650"/>
+            <a:ext cx="393700" cy="0"/>
+          </a:xfrm>
+          <a:prstGeom prst="straightConnector1">
+            <a:avLst/>
+          </a:prstGeom>
+          <a:ln>
+            <a:tailEnd type="triangle"/>
+          </a:ln>
+        </p:spPr>
+        <p:style>
+          <a:lnRef idx="1">
+            <a:schemeClr val="accent1"/>
+          </a:lnRef>
+          <a:fillRef idx="0">
+            <a:schemeClr val="accent1"/>
+          </a:fillRef>
+          <a:effectRef idx="0">
+            <a:schemeClr val="accent1"/>
+          </a:effectRef>
+          <a:fontRef idx="minor">
+            <a:schemeClr val="tx1"/>
+          </a:fontRef>
+        </p:style>
+      </p:cxnSp>
+      <p:cxnSp>
+        <p:nvCxnSpPr>
+          <p:cNvPr id="23" name="Straight Arrow Connector 22">
+            <a:extLst>
+              <a:ext uri="{FF2B5EF4-FFF2-40B4-BE49-F238E27FC236}">
+                <a16:creationId xmlns:a16="http://schemas.microsoft.com/office/drawing/2014/main" id="{86E3C965-39D5-4698-BAA9-AEDEF10E34C6}"/>
+              </a:ext>
+            </a:extLst>
+          </p:cNvPr>
+          <p:cNvCxnSpPr/>
+          <p:nvPr/>
+        </p:nvCxnSpPr>
+        <p:spPr>
+          <a:xfrm>
+            <a:off x="8393825" y="624650"/>
+            <a:ext cx="393700" cy="0"/>
+          </a:xfrm>
+          <a:prstGeom prst="straightConnector1">
+            <a:avLst/>
+          </a:prstGeom>
+          <a:ln>
+            <a:tailEnd type="triangle"/>
+          </a:ln>
+        </p:spPr>
+        <p:style>
+          <a:lnRef idx="1">
+            <a:schemeClr val="accent1"/>
+          </a:lnRef>
+          <a:fillRef idx="0">
+            <a:schemeClr val="accent1"/>
+          </a:fillRef>
+          <a:effectRef idx="0">
+            <a:schemeClr val="accent1"/>
+          </a:effectRef>
+          <a:fontRef idx="minor">
+            <a:schemeClr val="tx1"/>
+          </a:fontRef>
+        </p:style>
+      </p:cxnSp>
+      <p:cxnSp>
+        <p:nvCxnSpPr>
+          <p:cNvPr id="24" name="Straight Arrow Connector 23">
+            <a:extLst>
+              <a:ext uri="{FF2B5EF4-FFF2-40B4-BE49-F238E27FC236}">
+                <a16:creationId xmlns:a16="http://schemas.microsoft.com/office/drawing/2014/main" id="{505E9879-BCD8-4BFB-A2E9-08C8AAD5E00A}"/>
+              </a:ext>
+            </a:extLst>
+          </p:cNvPr>
+          <p:cNvCxnSpPr/>
+          <p:nvPr/>
+        </p:nvCxnSpPr>
+        <p:spPr>
+          <a:xfrm>
+            <a:off x="9759075" y="605315"/>
+            <a:ext cx="393700" cy="0"/>
+          </a:xfrm>
+          <a:prstGeom prst="straightConnector1">
+            <a:avLst/>
+          </a:prstGeom>
+          <a:ln>
+            <a:tailEnd type="triangle"/>
+          </a:ln>
+        </p:spPr>
+        <p:style>
+          <a:lnRef idx="1">
+            <a:schemeClr val="accent1"/>
+          </a:lnRef>
+          <a:fillRef idx="0">
+            <a:schemeClr val="accent1"/>
+          </a:fillRef>
+          <a:effectRef idx="0">
+            <a:schemeClr val="accent1"/>
+          </a:effectRef>
+          <a:fontRef idx="minor">
+            <a:schemeClr val="tx1"/>
+          </a:fontRef>
+        </p:style>
+      </p:cxnSp>
+      <p:cxnSp>
+        <p:nvCxnSpPr>
+          <p:cNvPr id="25" name="Straight Arrow Connector 24">
+            <a:extLst>
+              <a:ext uri="{FF2B5EF4-FFF2-40B4-BE49-F238E27FC236}">
+                <a16:creationId xmlns:a16="http://schemas.microsoft.com/office/drawing/2014/main" id="{A436FB5E-A800-4339-A48F-6DFFD8491988}"/>
+              </a:ext>
+            </a:extLst>
+          </p:cNvPr>
+          <p:cNvCxnSpPr>
+            <a:cxnSpLocks/>
+          </p:cNvCxnSpPr>
+          <p:nvPr/>
+        </p:nvCxnSpPr>
+        <p:spPr>
+          <a:xfrm>
+            <a:off x="10553895" y="873547"/>
+            <a:ext cx="20046" cy="378054"/>
+          </a:xfrm>
+          <a:prstGeom prst="straightConnector1">
+            <a:avLst/>
+          </a:prstGeom>
+          <a:ln>
+            <a:tailEnd type="triangle"/>
+          </a:ln>
+        </p:spPr>
+        <p:style>
+          <a:lnRef idx="1">
+            <a:schemeClr val="accent1"/>
+          </a:lnRef>
+          <a:fillRef idx="0">
+            <a:schemeClr val="accent1"/>
+          </a:fillRef>
+          <a:effectRef idx="0">
+            <a:schemeClr val="accent1"/>
+          </a:effectRef>
+          <a:fontRef idx="minor">
+            <a:schemeClr val="tx1"/>
+          </a:fontRef>
+        </p:style>
+      </p:cxnSp>
+      <p:sp>
+        <p:nvSpPr>
+          <p:cNvPr id="28" name="TextBox 27">
+            <a:extLst>
+              <a:ext uri="{FF2B5EF4-FFF2-40B4-BE49-F238E27FC236}">
+                <a16:creationId xmlns:a16="http://schemas.microsoft.com/office/drawing/2014/main" id="{CE7DC8CA-FF0B-4E46-82E2-29C3513FF57F}"/>
               </a:ext>
             </a:extLst>
           </p:cNvPr>
@@ -3709,8 +4451,8 @@
         </p:nvSpPr>
         <p:spPr>
           <a:xfrm>
-            <a:off x="968991" y="1064525"/>
-            <a:ext cx="3202352" cy="369332"/>
+            <a:off x="586702" y="924074"/>
+            <a:ext cx="533095" cy="276999"/>
           </a:xfrm>
           <a:prstGeom prst="rect">
             <a:avLst/>
@@ -3724,8 +4466,8 @@
           <a:lstStyle/>
           <a:p>
             <a:r>
-              <a:rPr lang="en-US" dirty="0"/>
-              <a:t>This application uses traditional </a:t>
+              <a:rPr lang="en-US" sz="1200" dirty="0"/>
+              <a:t>Users</a:t>
             </a:r>
           </a:p>
         </p:txBody>
@@ -4455,30 +5197,6 @@
               </a:rPr>
               <a:t>Table Name: exam </a:t>
             </a:r>
-            <a:br>
-              <a:rPr lang="en-US" sz="1800" dirty="0">
-                <a:latin typeface="Inter 18pt" panose="02000503000000020004" pitchFamily="2" charset="0"/>
-                <a:ea typeface="Inter 18pt" panose="02000503000000020004" pitchFamily="2" charset="0"/>
-              </a:rPr>
-            </a:br>
-            <a:r>
-              <a:rPr lang="en-US" sz="1800" dirty="0">
-                <a:latin typeface="Inter 18pt" panose="02000503000000020004" pitchFamily="2" charset="0"/>
-                <a:ea typeface="Inter 18pt" panose="02000503000000020004" pitchFamily="2" charset="0"/>
-              </a:rPr>
-              <a:t>Role: admin (Read, Write </a:t>
-            </a:r>
-            <a:r>
-              <a:rPr lang="en-US" sz="1800">
-                <a:latin typeface="Inter 18pt" panose="02000503000000020004" pitchFamily="2" charset="0"/>
-                <a:ea typeface="Inter 18pt" panose="02000503000000020004" pitchFamily="2" charset="0"/>
-              </a:rPr>
-              <a:t>and Execute)</a:t>
-            </a:r>
-            <a:endParaRPr lang="en-US" sz="1800" dirty="0">
-              <a:latin typeface="Inter 18pt" panose="02000503000000020004" pitchFamily="2" charset="0"/>
-              <a:ea typeface="Inter 18pt" panose="02000503000000020004" pitchFamily="2" charset="0"/>
-            </a:endParaRPr>
           </a:p>
         </p:txBody>
       </p:sp>
@@ -4497,7 +5215,7 @@
         <p:spPr>
           <a:xfrm>
             <a:off x="736979" y="1105468"/>
-            <a:ext cx="4189673" cy="646331"/>
+            <a:ext cx="11281935" cy="1477328"/>
           </a:xfrm>
           <a:prstGeom prst="rect">
             <a:avLst/>
@@ -4540,603 +5258,128 @@
             </a:r>
             <a:endParaRPr lang="en-US" b="1" dirty="0"/>
           </a:p>
-        </p:txBody>
-      </p:sp>
-      <p:graphicFrame>
-        <p:nvGraphicFramePr>
-          <p:cNvPr id="6" name="Table 6">
-            <a:extLst>
-              <a:ext uri="{FF2B5EF4-FFF2-40B4-BE49-F238E27FC236}">
-                <a16:creationId xmlns:a16="http://schemas.microsoft.com/office/drawing/2014/main" id="{6A7EBC5E-CB05-48C8-A145-AF84126CE8CD}"/>
-              </a:ext>
-            </a:extLst>
-          </p:cNvPr>
-          <p:cNvGraphicFramePr>
-            <a:graphicFrameLocks noGrp="1"/>
-          </p:cNvGraphicFramePr>
-          <p:nvPr>
-            <p:extLst>
-              <p:ext uri="{D42A27DB-BD31-4B8C-83A1-F6EECF244321}">
-                <p14:modId xmlns:p14="http://schemas.microsoft.com/office/powerpoint/2010/main" val="4119018884"/>
-              </p:ext>
-            </p:extLst>
-          </p:nvPr>
-        </p:nvGraphicFramePr>
-        <p:xfrm>
-          <a:off x="1122261" y="1845811"/>
-          <a:ext cx="8158216" cy="741680"/>
-        </p:xfrm>
-        <a:graphic>
-          <a:graphicData uri="http://schemas.openxmlformats.org/drawingml/2006/table">
-            <a:tbl>
-              <a:tblPr firstRow="1" bandRow="1">
-                <a:tableStyleId>{5940675A-B579-460E-94D1-54222C63F5DA}</a:tableStyleId>
-              </a:tblPr>
-              <a:tblGrid>
-                <a:gridCol w="597357">
-                  <a:extLst>
-                    <a:ext uri="{9D8B030D-6E8A-4147-A177-3AD203B41FA5}">
-                      <a16:colId xmlns:a16="http://schemas.microsoft.com/office/drawing/2014/main" val="1752901856"/>
-                    </a:ext>
-                  </a:extLst>
-                </a:gridCol>
-                <a:gridCol w="682388">
-                  <a:extLst>
-                    <a:ext uri="{9D8B030D-6E8A-4147-A177-3AD203B41FA5}">
-                      <a16:colId xmlns:a16="http://schemas.microsoft.com/office/drawing/2014/main" val="3265588655"/>
-                    </a:ext>
-                  </a:extLst>
-                </a:gridCol>
-                <a:gridCol w="1296537">
-                  <a:extLst>
-                    <a:ext uri="{9D8B030D-6E8A-4147-A177-3AD203B41FA5}">
-                      <a16:colId xmlns:a16="http://schemas.microsoft.com/office/drawing/2014/main" val="1560994664"/>
-                    </a:ext>
-                  </a:extLst>
-                </a:gridCol>
-                <a:gridCol w="1146412">
-                  <a:extLst>
-                    <a:ext uri="{9D8B030D-6E8A-4147-A177-3AD203B41FA5}">
-                      <a16:colId xmlns:a16="http://schemas.microsoft.com/office/drawing/2014/main" val="2032673277"/>
-                    </a:ext>
-                  </a:extLst>
-                </a:gridCol>
-                <a:gridCol w="846161">
-                  <a:extLst>
-                    <a:ext uri="{9D8B030D-6E8A-4147-A177-3AD203B41FA5}">
-                      <a16:colId xmlns:a16="http://schemas.microsoft.com/office/drawing/2014/main" val="1899846387"/>
-                    </a:ext>
-                  </a:extLst>
-                </a:gridCol>
-                <a:gridCol w="1228299">
-                  <a:extLst>
-                    <a:ext uri="{9D8B030D-6E8A-4147-A177-3AD203B41FA5}">
-                      <a16:colId xmlns:a16="http://schemas.microsoft.com/office/drawing/2014/main" val="1262195415"/>
-                    </a:ext>
-                  </a:extLst>
-                </a:gridCol>
-                <a:gridCol w="1105468">
-                  <a:extLst>
-                    <a:ext uri="{9D8B030D-6E8A-4147-A177-3AD203B41FA5}">
-                      <a16:colId xmlns:a16="http://schemas.microsoft.com/office/drawing/2014/main" val="1273112999"/>
-                    </a:ext>
-                  </a:extLst>
-                </a:gridCol>
-                <a:gridCol w="1255594">
-                  <a:extLst>
-                    <a:ext uri="{9D8B030D-6E8A-4147-A177-3AD203B41FA5}">
-                      <a16:colId xmlns:a16="http://schemas.microsoft.com/office/drawing/2014/main" val="211415029"/>
-                    </a:ext>
-                  </a:extLst>
-                </a:gridCol>
-              </a:tblGrid>
-              <a:tr h="370840">
-                <a:tc>
-                  <a:txBody>
-                    <a:bodyPr/>
-                    <a:lstStyle/>
-                    <a:p>
-                      <a:pPr algn="ctr"/>
-                      <a:r>
-                        <a:rPr lang="en-US" dirty="0"/>
-                        <a:t>Id</a:t>
-                      </a:r>
-                    </a:p>
-                  </a:txBody>
-                  <a:tcPr/>
-                </a:tc>
-                <a:tc>
-                  <a:txBody>
-                    <a:bodyPr/>
-                    <a:lstStyle/>
-                    <a:p>
-                      <a:pPr algn="ctr"/>
-                      <a:r>
-                        <a:rPr lang="en-US" b="1" dirty="0"/>
-                        <a:t>Org</a:t>
-                      </a:r>
-                    </a:p>
-                  </a:txBody>
-                  <a:tcPr/>
-                </a:tc>
-                <a:tc>
-                  <a:txBody>
-                    <a:bodyPr/>
-                    <a:lstStyle/>
-                    <a:p>
-                      <a:pPr algn="ctr"/>
-                      <a:r>
-                        <a:rPr lang="en-US" b="1" dirty="0" err="1"/>
-                        <a:t>exam_code</a:t>
-                      </a:r>
-                      <a:endParaRPr lang="en-US" b="1" dirty="0"/>
-                    </a:p>
-                  </a:txBody>
-                  <a:tcPr/>
-                </a:tc>
-                <a:tc>
-                  <a:txBody>
-                    <a:bodyPr/>
-                    <a:lstStyle/>
-                    <a:p>
-                      <a:pPr algn="ctr"/>
-                      <a:r>
-                        <a:rPr lang="en-US" dirty="0"/>
-                        <a:t>Duration</a:t>
-                      </a:r>
-                    </a:p>
-                  </a:txBody>
-                  <a:tcPr/>
-                </a:tc>
-                <a:tc>
-                  <a:txBody>
-                    <a:bodyPr/>
-                    <a:lstStyle/>
-                    <a:p>
-                      <a:pPr algn="ctr"/>
-                      <a:r>
-                        <a:rPr lang="en-US" dirty="0"/>
-                        <a:t>Wpm</a:t>
-                      </a:r>
-                    </a:p>
-                  </a:txBody>
-                  <a:tcPr/>
-                </a:tc>
-                <a:tc>
-                  <a:txBody>
-                    <a:bodyPr/>
-                    <a:lstStyle/>
-                    <a:p>
-                      <a:pPr algn="ctr"/>
-                      <a:r>
-                        <a:rPr lang="en-US" dirty="0"/>
-                        <a:t>Accuracy</a:t>
-                      </a:r>
-                    </a:p>
-                  </a:txBody>
-                  <a:tcPr/>
-                </a:tc>
-                <a:tc>
-                  <a:txBody>
-                    <a:bodyPr/>
-                    <a:lstStyle/>
-                    <a:p>
-                      <a:pPr algn="ctr"/>
-                      <a:r>
-                        <a:rPr lang="en-US" dirty="0"/>
-                        <a:t>Algorithm</a:t>
-                      </a:r>
-                    </a:p>
-                  </a:txBody>
-                  <a:tcPr/>
-                </a:tc>
-                <a:tc>
-                  <a:txBody>
-                    <a:bodyPr/>
-                    <a:lstStyle/>
-                    <a:p>
-                      <a:pPr algn="ctr"/>
-                      <a:r>
-                        <a:rPr lang="en-US" dirty="0"/>
-                        <a:t>active</a:t>
-                      </a:r>
-                    </a:p>
-                  </a:txBody>
-                  <a:tcPr/>
-                </a:tc>
-                <a:extLst>
-                  <a:ext uri="{0D108BD9-81ED-4DB2-BD59-A6C34878D82A}">
-                    <a16:rowId xmlns:a16="http://schemas.microsoft.com/office/drawing/2014/main" val="377536658"/>
-                  </a:ext>
-                </a:extLst>
-              </a:tr>
-              <a:tr h="370840">
-                <a:tc>
-                  <a:txBody>
-                    <a:bodyPr/>
-                    <a:lstStyle/>
-                    <a:p>
-                      <a:pPr algn="ctr"/>
-                      <a:r>
-                        <a:rPr lang="en-US" dirty="0"/>
-                        <a:t>Int</a:t>
-                      </a:r>
-                    </a:p>
-                  </a:txBody>
-                  <a:tcPr/>
-                </a:tc>
-                <a:tc>
-                  <a:txBody>
-                    <a:bodyPr/>
-                    <a:lstStyle/>
-                    <a:p>
-                      <a:pPr algn="ctr"/>
-                      <a:r>
-                        <a:rPr lang="en-US" dirty="0"/>
-                        <a:t>Str</a:t>
-                      </a:r>
-                    </a:p>
-                  </a:txBody>
-                  <a:tcPr/>
-                </a:tc>
-                <a:tc>
-                  <a:txBody>
-                    <a:bodyPr/>
-                    <a:lstStyle/>
-                    <a:p>
-                      <a:pPr algn="ctr"/>
-                      <a:r>
-                        <a:rPr lang="en-US" dirty="0"/>
-                        <a:t>Int</a:t>
-                      </a:r>
-                    </a:p>
-                  </a:txBody>
-                  <a:tcPr/>
-                </a:tc>
-                <a:tc>
-                  <a:txBody>
-                    <a:bodyPr/>
-                    <a:lstStyle/>
-                    <a:p>
-                      <a:pPr algn="ctr"/>
-                      <a:r>
-                        <a:rPr lang="en-US" dirty="0"/>
-                        <a:t>Int</a:t>
-                      </a:r>
-                    </a:p>
-                  </a:txBody>
-                  <a:tcPr/>
-                </a:tc>
-                <a:tc>
-                  <a:txBody>
-                    <a:bodyPr/>
-                    <a:lstStyle/>
-                    <a:p>
-                      <a:pPr algn="ctr"/>
-                      <a:r>
-                        <a:rPr lang="en-US" dirty="0"/>
-                        <a:t>Int</a:t>
-                      </a:r>
-                    </a:p>
-                  </a:txBody>
-                  <a:tcPr/>
-                </a:tc>
-                <a:tc>
-                  <a:txBody>
-                    <a:bodyPr/>
-                    <a:lstStyle/>
-                    <a:p>
-                      <a:pPr algn="ctr"/>
-                      <a:r>
-                        <a:rPr lang="en-US" dirty="0"/>
-                        <a:t>Int</a:t>
-                      </a:r>
-                    </a:p>
-                  </a:txBody>
-                  <a:tcPr/>
-                </a:tc>
-                <a:tc>
-                  <a:txBody>
-                    <a:bodyPr/>
-                    <a:lstStyle/>
-                    <a:p>
-                      <a:pPr algn="ctr"/>
-                      <a:r>
-                        <a:rPr lang="en-US" dirty="0"/>
-                        <a:t>Str</a:t>
-                      </a:r>
-                    </a:p>
-                  </a:txBody>
-                  <a:tcPr/>
-                </a:tc>
-                <a:tc>
-                  <a:txBody>
-                    <a:bodyPr/>
-                    <a:lstStyle/>
-                    <a:p>
-                      <a:pPr algn="ctr"/>
-                      <a:r>
-                        <a:rPr lang="en-US" dirty="0"/>
-                        <a:t>yes/no</a:t>
-                      </a:r>
-                    </a:p>
-                  </a:txBody>
-                  <a:tcPr/>
-                </a:tc>
-                <a:extLst>
-                  <a:ext uri="{0D108BD9-81ED-4DB2-BD59-A6C34878D82A}">
-                    <a16:rowId xmlns:a16="http://schemas.microsoft.com/office/drawing/2014/main" val="312951361"/>
-                  </a:ext>
-                </a:extLst>
-              </a:tr>
-            </a:tbl>
-          </a:graphicData>
-        </a:graphic>
-      </p:graphicFrame>
-      <p:graphicFrame>
-        <p:nvGraphicFramePr>
-          <p:cNvPr id="8" name="Table 4">
-            <a:extLst>
-              <a:ext uri="{FF2B5EF4-FFF2-40B4-BE49-F238E27FC236}">
-                <a16:creationId xmlns:a16="http://schemas.microsoft.com/office/drawing/2014/main" id="{68DB06AF-98CA-432E-9E7C-AE77F5306045}"/>
-              </a:ext>
-            </a:extLst>
-          </p:cNvPr>
-          <p:cNvGraphicFramePr>
-            <a:graphicFrameLocks noGrp="1"/>
-          </p:cNvGraphicFramePr>
-          <p:nvPr>
-            <p:extLst>
-              <p:ext uri="{D42A27DB-BD31-4B8C-83A1-F6EECF244321}">
-                <p14:modId xmlns:p14="http://schemas.microsoft.com/office/powerpoint/2010/main" val="2908496920"/>
-              </p:ext>
-            </p:extLst>
-          </p:nvPr>
-        </p:nvGraphicFramePr>
-        <p:xfrm>
-          <a:off x="3806205" y="3000288"/>
-          <a:ext cx="5474272" cy="1112520"/>
-        </p:xfrm>
-        <a:graphic>
-          <a:graphicData uri="http://schemas.openxmlformats.org/drawingml/2006/table">
-            <a:tbl>
-              <a:tblPr firstRow="1" bandRow="1">
-                <a:tableStyleId>{5940675A-B579-460E-94D1-54222C63F5DA}</a:tableStyleId>
-              </a:tblPr>
-              <a:tblGrid>
-                <a:gridCol w="1368568">
-                  <a:extLst>
-                    <a:ext uri="{9D8B030D-6E8A-4147-A177-3AD203B41FA5}">
-                      <a16:colId xmlns:a16="http://schemas.microsoft.com/office/drawing/2014/main" val="3754981159"/>
-                    </a:ext>
-                  </a:extLst>
-                </a:gridCol>
-                <a:gridCol w="1368568">
-                  <a:extLst>
-                    <a:ext uri="{9D8B030D-6E8A-4147-A177-3AD203B41FA5}">
-                      <a16:colId xmlns:a16="http://schemas.microsoft.com/office/drawing/2014/main" val="3021474219"/>
-                    </a:ext>
-                  </a:extLst>
-                </a:gridCol>
-                <a:gridCol w="1368568">
-                  <a:extLst>
-                    <a:ext uri="{9D8B030D-6E8A-4147-A177-3AD203B41FA5}">
-                      <a16:colId xmlns:a16="http://schemas.microsoft.com/office/drawing/2014/main" val="3981111130"/>
-                    </a:ext>
-                  </a:extLst>
-                </a:gridCol>
-                <a:gridCol w="1368568">
-                  <a:extLst>
-                    <a:ext uri="{9D8B030D-6E8A-4147-A177-3AD203B41FA5}">
-                      <a16:colId xmlns:a16="http://schemas.microsoft.com/office/drawing/2014/main" val="1449055563"/>
-                    </a:ext>
-                  </a:extLst>
-                </a:gridCol>
-              </a:tblGrid>
-              <a:tr h="370840">
-                <a:tc gridSpan="4">
-                  <a:txBody>
-                    <a:bodyPr/>
-                    <a:lstStyle/>
-                    <a:p>
-                      <a:pPr algn="ctr"/>
-                      <a:r>
-                        <a:rPr lang="en-US" b="1" dirty="0"/>
-                        <a:t>Users</a:t>
-                      </a:r>
-                    </a:p>
-                  </a:txBody>
-                  <a:tcPr/>
-                </a:tc>
-                <a:tc hMerge="1">
-                  <a:txBody>
-                    <a:bodyPr/>
-                    <a:lstStyle/>
-                    <a:p>
-                      <a:pPr algn="ctr"/>
-                      <a:endParaRPr lang="en-US" b="1" dirty="0"/>
-                    </a:p>
-                  </a:txBody>
-                  <a:tcPr/>
-                </a:tc>
-                <a:tc hMerge="1">
-                  <a:txBody>
-                    <a:bodyPr/>
-                    <a:lstStyle/>
-                    <a:p>
-                      <a:pPr algn="ctr"/>
-                      <a:endParaRPr lang="en-US" b="1" dirty="0"/>
-                    </a:p>
-                  </a:txBody>
-                  <a:tcPr/>
-                </a:tc>
-                <a:tc hMerge="1">
-                  <a:txBody>
-                    <a:bodyPr/>
-                    <a:lstStyle/>
-                    <a:p>
-                      <a:pPr algn="ctr"/>
-                      <a:endParaRPr lang="en-US" b="1" dirty="0"/>
-                    </a:p>
-                  </a:txBody>
-                  <a:tcPr/>
-                </a:tc>
-                <a:extLst>
-                  <a:ext uri="{0D108BD9-81ED-4DB2-BD59-A6C34878D82A}">
-                    <a16:rowId xmlns:a16="http://schemas.microsoft.com/office/drawing/2014/main" val="1090423420"/>
-                  </a:ext>
-                </a:extLst>
-              </a:tr>
-              <a:tr h="370840">
-                <a:tc>
-                  <a:txBody>
-                    <a:bodyPr/>
-                    <a:lstStyle/>
-                    <a:p>
-                      <a:pPr algn="ctr"/>
-                      <a:r>
-                        <a:rPr lang="en-US" b="1" dirty="0"/>
-                        <a:t>Id</a:t>
-                      </a:r>
-                    </a:p>
-                  </a:txBody>
-                  <a:tcPr/>
-                </a:tc>
-                <a:tc>
-                  <a:txBody>
-                    <a:bodyPr/>
-                    <a:lstStyle/>
-                    <a:p>
-                      <a:pPr algn="ctr"/>
-                      <a:r>
-                        <a:rPr lang="en-US" b="1" dirty="0"/>
-                        <a:t>Phone</a:t>
-                      </a:r>
-                    </a:p>
-                  </a:txBody>
-                  <a:tcPr/>
-                </a:tc>
-                <a:tc>
-                  <a:txBody>
-                    <a:bodyPr/>
-                    <a:lstStyle/>
-                    <a:p>
-                      <a:pPr algn="ctr"/>
-                      <a:r>
-                        <a:rPr lang="en-US" b="1" dirty="0"/>
-                        <a:t>roll</a:t>
-                      </a:r>
-                    </a:p>
-                  </a:txBody>
-                  <a:tcPr/>
-                </a:tc>
-                <a:tc>
-                  <a:txBody>
-                    <a:bodyPr/>
-                    <a:lstStyle/>
-                    <a:p>
-                      <a:pPr marL="0" marR="0" lvl="0" indent="0" algn="ctr" defTabSz="914400" rtl="0" eaLnBrk="1" fontAlgn="auto" latinLnBrk="0" hangingPunct="1">
-                        <a:lnSpc>
-                          <a:spcPct val="100000"/>
-                        </a:lnSpc>
-                        <a:spcBef>
-                          <a:spcPts val="0"/>
-                        </a:spcBef>
-                        <a:spcAft>
-                          <a:spcPts val="0"/>
-                        </a:spcAft>
-                        <a:buClrTx/>
-                        <a:buSzTx/>
-                        <a:buFontTx/>
-                        <a:buNone/>
-                        <a:tabLst/>
-                        <a:defRPr/>
-                      </a:pPr>
-                      <a:r>
-                        <a:rPr lang="en-US" b="1" dirty="0">
-                          <a:solidFill>
-                            <a:srgbClr val="FF0000"/>
-                          </a:solidFill>
-                        </a:rPr>
-                        <a:t>exam_code</a:t>
-                      </a:r>
-                    </a:p>
-                  </a:txBody>
-                  <a:tcPr/>
-                </a:tc>
-                <a:extLst>
-                  <a:ext uri="{0D108BD9-81ED-4DB2-BD59-A6C34878D82A}">
-                    <a16:rowId xmlns:a16="http://schemas.microsoft.com/office/drawing/2014/main" val="1660160347"/>
-                  </a:ext>
-                </a:extLst>
-              </a:tr>
-              <a:tr h="370840">
-                <a:tc>
-                  <a:txBody>
-                    <a:bodyPr/>
-                    <a:lstStyle/>
-                    <a:p>
-                      <a:pPr algn="ctr"/>
-                      <a:r>
-                        <a:rPr lang="en-US" dirty="0"/>
-                        <a:t>Integer</a:t>
-                      </a:r>
-                    </a:p>
-                  </a:txBody>
-                  <a:tcPr/>
-                </a:tc>
-                <a:tc>
-                  <a:txBody>
-                    <a:bodyPr/>
-                    <a:lstStyle/>
-                    <a:p>
-                      <a:pPr algn="ctr"/>
-                      <a:r>
-                        <a:rPr lang="en-US" dirty="0"/>
-                        <a:t>Integer</a:t>
-                      </a:r>
-                    </a:p>
-                  </a:txBody>
-                  <a:tcPr/>
-                </a:tc>
-                <a:tc>
-                  <a:txBody>
-                    <a:bodyPr/>
-                    <a:lstStyle/>
-                    <a:p>
-                      <a:pPr algn="ctr"/>
-                      <a:r>
-                        <a:rPr lang="en-US" dirty="0"/>
-                        <a:t>integer</a:t>
-                      </a:r>
-                    </a:p>
-                  </a:txBody>
-                  <a:tcPr/>
-                </a:tc>
-                <a:tc>
-                  <a:txBody>
-                    <a:bodyPr/>
-                    <a:lstStyle/>
-                    <a:p>
-                      <a:pPr algn="ctr"/>
-                      <a:r>
-                        <a:rPr lang="en-US" dirty="0"/>
-                        <a:t>integer</a:t>
-                      </a:r>
-                    </a:p>
-                  </a:txBody>
-                  <a:tcPr/>
-                </a:tc>
-                <a:extLst>
-                  <a:ext uri="{0D108BD9-81ED-4DB2-BD59-A6C34878D82A}">
-                    <a16:rowId xmlns:a16="http://schemas.microsoft.com/office/drawing/2014/main" val="3642843113"/>
-                  </a:ext>
-                </a:extLst>
-              </a:tr>
-            </a:tbl>
-          </a:graphicData>
-        </a:graphic>
-      </p:graphicFrame>
+          <a:p>
+            <a:pPr marL="285750" indent="-285750">
+              <a:buClr>
+                <a:srgbClr val="00B050"/>
+              </a:buClr>
+              <a:buFont typeface="Wingdings" panose="05000000000000000000" pitchFamily="2" charset="2"/>
+              <a:buChar char="ü"/>
+            </a:pPr>
+            <a:r>
+              <a:rPr lang="en-US" b="1" dirty="0"/>
+              <a:t>Fields:  </a:t>
+            </a:r>
+          </a:p>
+          <a:p>
+            <a:pPr>
+              <a:buClr>
+                <a:srgbClr val="00B050"/>
+              </a:buClr>
+            </a:pPr>
+            <a:r>
+              <a:rPr lang="en-US" b="1" dirty="0"/>
+              <a:t>          </a:t>
+            </a:r>
+            <a:r>
+              <a:rPr lang="en-US" dirty="0"/>
+              <a:t>- Id, org, </a:t>
+            </a:r>
+            <a:r>
+              <a:rPr lang="en-US" dirty="0" err="1"/>
+              <a:t>exam_code</a:t>
+            </a:r>
+            <a:r>
+              <a:rPr lang="en-US" dirty="0"/>
+              <a:t>, </a:t>
+            </a:r>
+            <a:r>
+              <a:rPr lang="en-US" dirty="0" err="1"/>
+              <a:t>duration_bn</a:t>
+            </a:r>
+            <a:r>
+              <a:rPr lang="en-US" dirty="0"/>
+              <a:t>, </a:t>
+            </a:r>
+            <a:r>
+              <a:rPr lang="en-US" dirty="0" err="1"/>
+              <a:t>duration_en</a:t>
+            </a:r>
+            <a:r>
+              <a:rPr lang="en-US" dirty="0"/>
+              <a:t>, </a:t>
+            </a:r>
+            <a:r>
+              <a:rPr lang="en-US" dirty="0" err="1"/>
+              <a:t>wpm_bn</a:t>
+            </a:r>
+            <a:r>
+              <a:rPr lang="en-US" dirty="0"/>
+              <a:t>, </a:t>
+            </a:r>
+            <a:r>
+              <a:rPr lang="en-US" dirty="0" err="1"/>
+              <a:t>wpm_en</a:t>
+            </a:r>
+            <a:r>
+              <a:rPr lang="en-US" dirty="0"/>
+              <a:t>, </a:t>
+            </a:r>
+            <a:r>
+              <a:rPr lang="en-US" dirty="0" err="1"/>
+              <a:t>accuracy_en</a:t>
+            </a:r>
+            <a:r>
+              <a:rPr lang="en-US" dirty="0"/>
+              <a:t>, </a:t>
+            </a:r>
+            <a:r>
+              <a:rPr lang="en-US" dirty="0" err="1"/>
+              <a:t>accuracy_bn</a:t>
+            </a:r>
+            <a:r>
+              <a:rPr lang="en-US" dirty="0"/>
+              <a:t>, algorithm, active</a:t>
+            </a:r>
+          </a:p>
+          <a:p>
+            <a:pPr>
+              <a:buClr>
+                <a:srgbClr val="00B050"/>
+              </a:buClr>
+            </a:pPr>
+            <a:r>
+              <a:rPr lang="en-US" dirty="0"/>
+              <a:t>          - </a:t>
+            </a:r>
+            <a:r>
+              <a:rPr lang="en-US" b="1" dirty="0"/>
+              <a:t>id is the </a:t>
+            </a:r>
+            <a:r>
+              <a:rPr lang="en-US" b="1" dirty="0" err="1"/>
+              <a:t>pkey</a:t>
+            </a:r>
+            <a:r>
+              <a:rPr lang="en-US" b="1" dirty="0"/>
+              <a:t> and </a:t>
+            </a:r>
+            <a:r>
+              <a:rPr lang="en-US" b="1" dirty="0" err="1"/>
+              <a:t>exam_key</a:t>
+            </a:r>
+            <a:r>
+              <a:rPr lang="en-US" b="1" dirty="0"/>
+              <a:t> is </a:t>
+            </a:r>
+            <a:r>
+              <a:rPr lang="en-US" b="1" dirty="0" err="1"/>
+              <a:t>fk</a:t>
+            </a:r>
+            <a:endParaRPr lang="en-US" b="1" dirty="0"/>
+          </a:p>
+        </p:txBody>
+      </p:sp>
     </p:spTree>
     <p:extLst>
       <p:ext uri="{BB962C8B-B14F-4D97-AF65-F5344CB8AC3E}">
@@ -5151,6 +5394,611 @@
 </file>
 
 <file path=ppt/slides/slide5.xml><?xml version="1.0" encoding="utf-8"?>
+<p:sld xmlns:a="http://schemas.openxmlformats.org/drawingml/2006/main" xmlns:r="http://schemas.openxmlformats.org/officeDocument/2006/relationships" xmlns:p="http://schemas.openxmlformats.org/presentationml/2006/main">
+  <p:cSld>
+    <p:spTree>
+      <p:nvGrpSpPr>
+        <p:cNvPr id="1" name=""/>
+        <p:cNvGrpSpPr/>
+        <p:nvPr/>
+      </p:nvGrpSpPr>
+      <p:grpSpPr>
+        <a:xfrm>
+          <a:off x="0" y="0"/>
+          <a:ext cx="0" cy="0"/>
+          <a:chOff x="0" y="0"/>
+          <a:chExt cx="0" cy="0"/>
+        </a:xfrm>
+      </p:grpSpPr>
+      <p:sp>
+        <p:nvSpPr>
+          <p:cNvPr id="2" name="Title 1">
+            <a:extLst>
+              <a:ext uri="{FF2B5EF4-FFF2-40B4-BE49-F238E27FC236}">
+                <a16:creationId xmlns:a16="http://schemas.microsoft.com/office/drawing/2014/main" id="{8E6C9ADD-977C-4ADD-9B84-E4273B15860B}"/>
+              </a:ext>
+            </a:extLst>
+          </p:cNvPr>
+          <p:cNvSpPr>
+            <a:spLocks noGrp="1"/>
+          </p:cNvSpPr>
+          <p:nvPr>
+            <p:ph type="title"/>
+          </p:nvPr>
+        </p:nvSpPr>
+        <p:spPr>
+          <a:xfrm>
+            <a:off x="838200" y="365125"/>
+            <a:ext cx="8319447" cy="740343"/>
+          </a:xfrm>
+        </p:spPr>
+        <p:txBody>
+          <a:bodyPr>
+            <a:normAutofit/>
+          </a:bodyPr>
+          <a:lstStyle/>
+          <a:p>
+            <a:r>
+              <a:rPr lang="en-US" sz="1800" dirty="0">
+                <a:latin typeface="Inter 18pt" panose="02000503000000020004" pitchFamily="2" charset="0"/>
+                <a:ea typeface="Inter 18pt" panose="02000503000000020004" pitchFamily="2" charset="0"/>
+              </a:rPr>
+              <a:t>Table Name: result </a:t>
+            </a:r>
+          </a:p>
+        </p:txBody>
+      </p:sp>
+      <p:sp>
+        <p:nvSpPr>
+          <p:cNvPr id="5" name="TextBox 4">
+            <a:extLst>
+              <a:ext uri="{FF2B5EF4-FFF2-40B4-BE49-F238E27FC236}">
+                <a16:creationId xmlns:a16="http://schemas.microsoft.com/office/drawing/2014/main" id="{87852E62-169B-40FE-99EE-FA34609481B3}"/>
+              </a:ext>
+            </a:extLst>
+          </p:cNvPr>
+          <p:cNvSpPr txBox="1"/>
+          <p:nvPr/>
+        </p:nvSpPr>
+        <p:spPr>
+          <a:xfrm>
+            <a:off x="1116712" y="920802"/>
+            <a:ext cx="3835281" cy="369332"/>
+          </a:xfrm>
+          <a:prstGeom prst="rect">
+            <a:avLst/>
+          </a:prstGeom>
+          <a:noFill/>
+        </p:spPr>
+        <p:txBody>
+          <a:bodyPr wrap="none" rtlCol="0">
+            <a:spAutoFit/>
+          </a:bodyPr>
+          <a:lstStyle/>
+          <a:p>
+            <a:pPr marL="285750" indent="-285750">
+              <a:buClr>
+                <a:srgbClr val="00B050"/>
+              </a:buClr>
+              <a:buFont typeface="Wingdings" panose="05000000000000000000" pitchFamily="2" charset="2"/>
+              <a:buChar char="ü"/>
+            </a:pPr>
+            <a:r>
+              <a:rPr lang="en-US" b="1" dirty="0"/>
+              <a:t>This table holds the result for exam</a:t>
+            </a:r>
+          </a:p>
+        </p:txBody>
+      </p:sp>
+    </p:spTree>
+    <p:extLst>
+      <p:ext uri="{BB962C8B-B14F-4D97-AF65-F5344CB8AC3E}">
+        <p14:creationId xmlns:p14="http://schemas.microsoft.com/office/powerpoint/2010/main" val="507288011"/>
+      </p:ext>
+    </p:extLst>
+  </p:cSld>
+  <p:clrMapOvr>
+    <a:masterClrMapping/>
+  </p:clrMapOvr>
+</p:sld>
+</file>
+
+<file path=ppt/slides/slide6.xml><?xml version="1.0" encoding="utf-8"?>
+<p:sld xmlns:a="http://schemas.openxmlformats.org/drawingml/2006/main" xmlns:r="http://schemas.openxmlformats.org/officeDocument/2006/relationships" xmlns:p="http://schemas.openxmlformats.org/presentationml/2006/main">
+  <p:cSld>
+    <p:spTree>
+      <p:nvGrpSpPr>
+        <p:cNvPr id="1" name=""/>
+        <p:cNvGrpSpPr/>
+        <p:nvPr/>
+      </p:nvGrpSpPr>
+      <p:grpSpPr>
+        <a:xfrm>
+          <a:off x="0" y="0"/>
+          <a:ext cx="0" cy="0"/>
+          <a:chOff x="0" y="0"/>
+          <a:chExt cx="0" cy="0"/>
+        </a:xfrm>
+      </p:grpSpPr>
+      <p:sp>
+        <p:nvSpPr>
+          <p:cNvPr id="2" name="Title 1">
+            <a:extLst>
+              <a:ext uri="{FF2B5EF4-FFF2-40B4-BE49-F238E27FC236}">
+                <a16:creationId xmlns:a16="http://schemas.microsoft.com/office/drawing/2014/main" id="{8E6C9ADD-977C-4ADD-9B84-E4273B15860B}"/>
+              </a:ext>
+            </a:extLst>
+          </p:cNvPr>
+          <p:cNvSpPr>
+            <a:spLocks noGrp="1"/>
+          </p:cNvSpPr>
+          <p:nvPr>
+            <p:ph type="title"/>
+          </p:nvPr>
+        </p:nvSpPr>
+        <p:spPr>
+          <a:xfrm>
+            <a:off x="838200" y="365125"/>
+            <a:ext cx="8319447" cy="740343"/>
+          </a:xfrm>
+        </p:spPr>
+        <p:txBody>
+          <a:bodyPr>
+            <a:normAutofit/>
+          </a:bodyPr>
+          <a:lstStyle/>
+          <a:p>
+            <a:br>
+              <a:rPr lang="en-US" sz="1800" dirty="0">
+                <a:latin typeface="Inter 18pt" panose="02000503000000020004" pitchFamily="2" charset="0"/>
+                <a:ea typeface="Inter 18pt" panose="02000503000000020004" pitchFamily="2" charset="0"/>
+              </a:rPr>
+            </a:br>
+            <a:endParaRPr lang="en-US" sz="1800" dirty="0">
+              <a:latin typeface="Inter 18pt" panose="02000503000000020004" pitchFamily="2" charset="0"/>
+              <a:ea typeface="Inter 18pt" panose="02000503000000020004" pitchFamily="2" charset="0"/>
+            </a:endParaRPr>
+          </a:p>
+        </p:txBody>
+      </p:sp>
+      <p:sp>
+        <p:nvSpPr>
+          <p:cNvPr id="5" name="TextBox 4">
+            <a:extLst>
+              <a:ext uri="{FF2B5EF4-FFF2-40B4-BE49-F238E27FC236}">
+                <a16:creationId xmlns:a16="http://schemas.microsoft.com/office/drawing/2014/main" id="{87852E62-169B-40FE-99EE-FA34609481B3}"/>
+              </a:ext>
+            </a:extLst>
+          </p:cNvPr>
+          <p:cNvSpPr txBox="1"/>
+          <p:nvPr/>
+        </p:nvSpPr>
+        <p:spPr>
+          <a:xfrm>
+            <a:off x="600502" y="232012"/>
+            <a:ext cx="1401859" cy="307777"/>
+          </a:xfrm>
+          <a:prstGeom prst="rect">
+            <a:avLst/>
+          </a:prstGeom>
+          <a:noFill/>
+        </p:spPr>
+        <p:txBody>
+          <a:bodyPr wrap="none" rtlCol="0">
+            <a:spAutoFit/>
+          </a:bodyPr>
+          <a:lstStyle/>
+          <a:p>
+            <a:pPr marL="285750" indent="-285750">
+              <a:buClr>
+                <a:srgbClr val="00B050"/>
+              </a:buClr>
+              <a:buFont typeface="Wingdings" panose="05000000000000000000" pitchFamily="2" charset="2"/>
+              <a:buChar char="ü"/>
+            </a:pPr>
+            <a:r>
+              <a:rPr lang="en-US" sz="1400" b="1" dirty="0"/>
+              <a:t>Relationship</a:t>
+            </a:r>
+          </a:p>
+        </p:txBody>
+      </p:sp>
+      <p:sp>
+        <p:nvSpPr>
+          <p:cNvPr id="3" name="Rectangle 2">
+            <a:extLst>
+              <a:ext uri="{FF2B5EF4-FFF2-40B4-BE49-F238E27FC236}">
+                <a16:creationId xmlns:a16="http://schemas.microsoft.com/office/drawing/2014/main" id="{2B5C8FD6-4B63-4AF0-B19A-1EF268E75FFD}"/>
+              </a:ext>
+            </a:extLst>
+          </p:cNvPr>
+          <p:cNvSpPr/>
+          <p:nvPr/>
+        </p:nvSpPr>
+        <p:spPr>
+          <a:xfrm>
+            <a:off x="1087961" y="900752"/>
+            <a:ext cx="914400" cy="914400"/>
+          </a:xfrm>
+          <a:prstGeom prst="rect">
+            <a:avLst/>
+          </a:prstGeom>
+        </p:spPr>
+        <p:style>
+          <a:lnRef idx="2">
+            <a:schemeClr val="accent1">
+              <a:shade val="50000"/>
+            </a:schemeClr>
+          </a:lnRef>
+          <a:fillRef idx="1">
+            <a:schemeClr val="accent1"/>
+          </a:fillRef>
+          <a:effectRef idx="0">
+            <a:schemeClr val="accent1"/>
+          </a:effectRef>
+          <a:fontRef idx="minor">
+            <a:schemeClr val="lt1"/>
+          </a:fontRef>
+        </p:style>
+        <p:txBody>
+          <a:bodyPr rtlCol="0" anchor="ctr"/>
+          <a:lstStyle/>
+          <a:p>
+            <a:pPr algn="ctr"/>
+            <a:r>
+              <a:rPr lang="en-US" dirty="0"/>
+              <a:t>exams</a:t>
+            </a:r>
+          </a:p>
+        </p:txBody>
+      </p:sp>
+      <p:sp>
+        <p:nvSpPr>
+          <p:cNvPr id="4" name="Rectangle 3">
+            <a:extLst>
+              <a:ext uri="{FF2B5EF4-FFF2-40B4-BE49-F238E27FC236}">
+                <a16:creationId xmlns:a16="http://schemas.microsoft.com/office/drawing/2014/main" id="{7FC55983-03BF-4A9E-8B40-C197227D9873}"/>
+              </a:ext>
+            </a:extLst>
+          </p:cNvPr>
+          <p:cNvSpPr/>
+          <p:nvPr/>
+        </p:nvSpPr>
+        <p:spPr>
+          <a:xfrm>
+            <a:off x="3616658" y="914400"/>
+            <a:ext cx="914400" cy="914400"/>
+          </a:xfrm>
+          <a:prstGeom prst="rect">
+            <a:avLst/>
+          </a:prstGeom>
+        </p:spPr>
+        <p:style>
+          <a:lnRef idx="2">
+            <a:schemeClr val="accent1">
+              <a:shade val="50000"/>
+            </a:schemeClr>
+          </a:lnRef>
+          <a:fillRef idx="1">
+            <a:schemeClr val="accent1"/>
+          </a:fillRef>
+          <a:effectRef idx="0">
+            <a:schemeClr val="accent1"/>
+          </a:effectRef>
+          <a:fontRef idx="minor">
+            <a:schemeClr val="lt1"/>
+          </a:fontRef>
+        </p:style>
+        <p:txBody>
+          <a:bodyPr rtlCol="0" anchor="ctr"/>
+          <a:lstStyle/>
+          <a:p>
+            <a:pPr algn="ctr"/>
+            <a:r>
+              <a:rPr lang="en-US" dirty="0"/>
+              <a:t>Users</a:t>
+            </a:r>
+          </a:p>
+        </p:txBody>
+      </p:sp>
+      <p:cxnSp>
+        <p:nvCxnSpPr>
+          <p:cNvPr id="8" name="Straight Arrow Connector 7">
+            <a:extLst>
+              <a:ext uri="{FF2B5EF4-FFF2-40B4-BE49-F238E27FC236}">
+                <a16:creationId xmlns:a16="http://schemas.microsoft.com/office/drawing/2014/main" id="{8D9B1913-AC97-45B1-B735-939BFEC5ED4D}"/>
+              </a:ext>
+            </a:extLst>
+          </p:cNvPr>
+          <p:cNvCxnSpPr/>
+          <p:nvPr/>
+        </p:nvCxnSpPr>
+        <p:spPr>
+          <a:xfrm flipV="1">
+            <a:off x="2115403" y="1105468"/>
+            <a:ext cx="1351128" cy="252484"/>
+          </a:xfrm>
+          <a:prstGeom prst="straightConnector1">
+            <a:avLst/>
+          </a:prstGeom>
+          <a:ln>
+            <a:tailEnd type="triangle"/>
+          </a:ln>
+        </p:spPr>
+        <p:style>
+          <a:lnRef idx="1">
+            <a:schemeClr val="accent1"/>
+          </a:lnRef>
+          <a:fillRef idx="0">
+            <a:schemeClr val="accent1"/>
+          </a:fillRef>
+          <a:effectRef idx="0">
+            <a:schemeClr val="accent1"/>
+          </a:effectRef>
+          <a:fontRef idx="minor">
+            <a:schemeClr val="tx1"/>
+          </a:fontRef>
+        </p:style>
+      </p:cxnSp>
+      <p:cxnSp>
+        <p:nvCxnSpPr>
+          <p:cNvPr id="10" name="Straight Arrow Connector 9">
+            <a:extLst>
+              <a:ext uri="{FF2B5EF4-FFF2-40B4-BE49-F238E27FC236}">
+                <a16:creationId xmlns:a16="http://schemas.microsoft.com/office/drawing/2014/main" id="{AAFA14F0-8D81-4705-8B5B-2B5482B5B8EB}"/>
+              </a:ext>
+            </a:extLst>
+          </p:cNvPr>
+          <p:cNvCxnSpPr/>
+          <p:nvPr/>
+        </p:nvCxnSpPr>
+        <p:spPr>
+          <a:xfrm>
+            <a:off x="2106649" y="1473958"/>
+            <a:ext cx="1455417" cy="150126"/>
+          </a:xfrm>
+          <a:prstGeom prst="straightConnector1">
+            <a:avLst/>
+          </a:prstGeom>
+          <a:ln>
+            <a:tailEnd type="triangle"/>
+          </a:ln>
+        </p:spPr>
+        <p:style>
+          <a:lnRef idx="1">
+            <a:schemeClr val="accent1"/>
+          </a:lnRef>
+          <a:fillRef idx="0">
+            <a:schemeClr val="accent1"/>
+          </a:fillRef>
+          <a:effectRef idx="0">
+            <a:schemeClr val="accent1"/>
+          </a:effectRef>
+          <a:fontRef idx="minor">
+            <a:schemeClr val="tx1"/>
+          </a:fontRef>
+        </p:style>
+      </p:cxnSp>
+      <p:sp>
+        <p:nvSpPr>
+          <p:cNvPr id="12" name="TextBox 11">
+            <a:extLst>
+              <a:ext uri="{FF2B5EF4-FFF2-40B4-BE49-F238E27FC236}">
+                <a16:creationId xmlns:a16="http://schemas.microsoft.com/office/drawing/2014/main" id="{AF8B55A4-586B-4B32-8D0E-72661F69E1BB}"/>
+              </a:ext>
+            </a:extLst>
+          </p:cNvPr>
+          <p:cNvSpPr txBox="1"/>
+          <p:nvPr/>
+        </p:nvSpPr>
+        <p:spPr>
+          <a:xfrm>
+            <a:off x="7249400" y="1968500"/>
+            <a:ext cx="3816494" cy="1200329"/>
+          </a:xfrm>
+          <a:prstGeom prst="rect">
+            <a:avLst/>
+          </a:prstGeom>
+          <a:noFill/>
+        </p:spPr>
+        <p:txBody>
+          <a:bodyPr wrap="none" rtlCol="0">
+            <a:spAutoFit/>
+          </a:bodyPr>
+          <a:lstStyle/>
+          <a:p>
+            <a:r>
+              <a:rPr lang="en-US" dirty="0"/>
+              <a:t>Users can:</a:t>
+            </a:r>
+          </a:p>
+          <a:p>
+            <a:pPr marL="285750" indent="-285750">
+              <a:buClr>
+                <a:srgbClr val="00B050"/>
+              </a:buClr>
+              <a:buFont typeface="Wingdings" panose="05000000000000000000" pitchFamily="2" charset="2"/>
+              <a:buChar char="ü"/>
+            </a:pPr>
+            <a:r>
+              <a:rPr lang="en-US" dirty="0"/>
+              <a:t>Verify phone, roll and </a:t>
+            </a:r>
+            <a:r>
+              <a:rPr lang="en-US" dirty="0" err="1"/>
+              <a:t>exam_code</a:t>
+            </a:r>
+            <a:endParaRPr lang="en-US" dirty="0"/>
+          </a:p>
+          <a:p>
+            <a:pPr marL="285750" indent="-285750">
+              <a:buClr>
+                <a:srgbClr val="00B050"/>
+              </a:buClr>
+              <a:buFont typeface="Wingdings" panose="05000000000000000000" pitchFamily="2" charset="2"/>
+              <a:buChar char="ü"/>
+            </a:pPr>
+            <a:r>
+              <a:rPr lang="en-US" dirty="0"/>
+              <a:t>Send Typed information from Client</a:t>
+            </a:r>
+          </a:p>
+          <a:p>
+            <a:pPr marL="285750" indent="-285750">
+              <a:buClr>
+                <a:srgbClr val="00B050"/>
+              </a:buClr>
+              <a:buFont typeface="Wingdings" panose="05000000000000000000" pitchFamily="2" charset="2"/>
+              <a:buChar char="ü"/>
+            </a:pPr>
+            <a:r>
+              <a:rPr lang="en-US" dirty="0"/>
+              <a:t>Update Result Table</a:t>
+            </a:r>
+          </a:p>
+        </p:txBody>
+      </p:sp>
+      <p:sp>
+        <p:nvSpPr>
+          <p:cNvPr id="13" name="Rectangle 12">
+            <a:extLst>
+              <a:ext uri="{FF2B5EF4-FFF2-40B4-BE49-F238E27FC236}">
+                <a16:creationId xmlns:a16="http://schemas.microsoft.com/office/drawing/2014/main" id="{ECA76308-B99D-4521-94BE-F259E407F5CE}"/>
+              </a:ext>
+            </a:extLst>
+          </p:cNvPr>
+          <p:cNvSpPr/>
+          <p:nvPr/>
+        </p:nvSpPr>
+        <p:spPr>
+          <a:xfrm>
+            <a:off x="6096000" y="900752"/>
+            <a:ext cx="914400" cy="914400"/>
+          </a:xfrm>
+          <a:prstGeom prst="rect">
+            <a:avLst/>
+          </a:prstGeom>
+        </p:spPr>
+        <p:style>
+          <a:lnRef idx="2">
+            <a:schemeClr val="accent1">
+              <a:shade val="50000"/>
+            </a:schemeClr>
+          </a:lnRef>
+          <a:fillRef idx="1">
+            <a:schemeClr val="accent1"/>
+          </a:fillRef>
+          <a:effectRef idx="0">
+            <a:schemeClr val="accent1"/>
+          </a:effectRef>
+          <a:fontRef idx="minor">
+            <a:schemeClr val="lt1"/>
+          </a:fontRef>
+        </p:style>
+        <p:txBody>
+          <a:bodyPr rtlCol="0" anchor="ctr"/>
+          <a:lstStyle/>
+          <a:p>
+            <a:pPr algn="ctr"/>
+            <a:r>
+              <a:rPr lang="en-US" dirty="0"/>
+              <a:t>Result</a:t>
+            </a:r>
+          </a:p>
+        </p:txBody>
+      </p:sp>
+      <p:cxnSp>
+        <p:nvCxnSpPr>
+          <p:cNvPr id="15" name="Straight Arrow Connector 14">
+            <a:extLst>
+              <a:ext uri="{FF2B5EF4-FFF2-40B4-BE49-F238E27FC236}">
+                <a16:creationId xmlns:a16="http://schemas.microsoft.com/office/drawing/2014/main" id="{CFC4A61C-AFEB-48C6-8619-5DD8D3D27A67}"/>
+              </a:ext>
+            </a:extLst>
+          </p:cNvPr>
+          <p:cNvCxnSpPr/>
+          <p:nvPr/>
+        </p:nvCxnSpPr>
+        <p:spPr>
+          <a:xfrm>
+            <a:off x="4902200" y="1357952"/>
+            <a:ext cx="1092200" cy="0"/>
+          </a:xfrm>
+          <a:prstGeom prst="straightConnector1">
+            <a:avLst/>
+          </a:prstGeom>
+          <a:ln>
+            <a:tailEnd type="triangle"/>
+          </a:ln>
+        </p:spPr>
+        <p:style>
+          <a:lnRef idx="1">
+            <a:schemeClr val="accent1"/>
+          </a:lnRef>
+          <a:fillRef idx="0">
+            <a:schemeClr val="accent1"/>
+          </a:fillRef>
+          <a:effectRef idx="0">
+            <a:schemeClr val="accent1"/>
+          </a:effectRef>
+          <a:fontRef idx="minor">
+            <a:schemeClr val="tx1"/>
+          </a:fontRef>
+        </p:style>
+      </p:cxnSp>
+      <p:cxnSp>
+        <p:nvCxnSpPr>
+          <p:cNvPr id="17" name="Straight Arrow Connector 16">
+            <a:extLst>
+              <a:ext uri="{FF2B5EF4-FFF2-40B4-BE49-F238E27FC236}">
+                <a16:creationId xmlns:a16="http://schemas.microsoft.com/office/drawing/2014/main" id="{05BD46E5-E037-49F6-AEB4-97E34CAE9F75}"/>
+              </a:ext>
+            </a:extLst>
+          </p:cNvPr>
+          <p:cNvCxnSpPr/>
+          <p:nvPr/>
+        </p:nvCxnSpPr>
+        <p:spPr>
+          <a:xfrm flipH="1">
+            <a:off x="4864100" y="1105468"/>
+            <a:ext cx="1130300" cy="0"/>
+          </a:xfrm>
+          <a:prstGeom prst="straightConnector1">
+            <a:avLst/>
+          </a:prstGeom>
+          <a:ln>
+            <a:tailEnd type="triangle"/>
+          </a:ln>
+        </p:spPr>
+        <p:style>
+          <a:lnRef idx="1">
+            <a:schemeClr val="accent1"/>
+          </a:lnRef>
+          <a:fillRef idx="0">
+            <a:schemeClr val="accent1"/>
+          </a:fillRef>
+          <a:effectRef idx="0">
+            <a:schemeClr val="accent1"/>
+          </a:effectRef>
+          <a:fontRef idx="minor">
+            <a:schemeClr val="tx1"/>
+          </a:fontRef>
+        </p:style>
+      </p:cxnSp>
+    </p:spTree>
+    <p:extLst>
+      <p:ext uri="{BB962C8B-B14F-4D97-AF65-F5344CB8AC3E}">
+        <p14:creationId xmlns:p14="http://schemas.microsoft.com/office/powerpoint/2010/main" val="2708859677"/>
+      </p:ext>
+    </p:extLst>
+  </p:cSld>
+  <p:clrMapOvr>
+    <a:masterClrMapping/>
+  </p:clrMapOvr>
+</p:sld>
+</file>
+
+<file path=ppt/slides/slide7.xml><?xml version="1.0" encoding="utf-8"?>
 <p:sld xmlns:a="http://schemas.openxmlformats.org/drawingml/2006/main" xmlns:r="http://schemas.openxmlformats.org/officeDocument/2006/relationships" xmlns:p="http://schemas.openxmlformats.org/presentationml/2006/main">
   <p:cSld>
     <p:spTree>
